--- a/metis_intro/Metis_Intro.pptx
+++ b/metis_intro/Metis_Intro.pptx
@@ -13220,7 +13220,7 @@
               <a:buClr>
                 <a:srgbClr val="434343"/>
               </a:buClr>
-              <a:buSzPts val="2400"/>
+              <a:buSzPct val="100000"/>
               <a:buFont typeface="Proxima Nova"/>
               <a:buChar char="●"/>
             </a:pPr>
@@ -13254,7 +13254,7 @@
               <a:buClr>
                 <a:srgbClr val="434343"/>
               </a:buClr>
-              <a:buSzPts val="2400"/>
+              <a:buSzPct val="100000"/>
               <a:buFont typeface="Proxima Nova"/>
               <a:buChar char="●"/>
             </a:pPr>
@@ -13273,7 +13273,7 @@
               <a:buClr>
                 <a:srgbClr val="434343"/>
               </a:buClr>
-              <a:buSzPts val="2400"/>
+              <a:buSzPct val="100000"/>
               <a:buFont typeface="Proxima Nova"/>
               <a:buChar char="●"/>
             </a:pPr>
@@ -15552,7 +15552,7 @@
               <a:buClr>
                 <a:srgbClr val="434343"/>
               </a:buClr>
-              <a:buSzPts val="2400"/>
+              <a:buSzPct val="100000"/>
               <a:buFont typeface="Proxima Nova"/>
               <a:buChar char="●"/>
             </a:pPr>
@@ -15586,7 +15586,7 @@
               <a:buClr>
                 <a:srgbClr val="434343"/>
               </a:buClr>
-              <a:buSzPts val="2400"/>
+              <a:buSzPct val="100000"/>
               <a:buFont typeface="Proxima Nova"/>
               <a:buChar char="●"/>
             </a:pPr>
@@ -15605,7 +15605,7 @@
               <a:buClr>
                 <a:srgbClr val="434343"/>
               </a:buClr>
-              <a:buSzPts val="2400"/>
+              <a:buSzPct val="100000"/>
               <a:buFont typeface="Proxima Nova"/>
               <a:buChar char="●"/>
             </a:pPr>
@@ -15651,7 +15651,7 @@
               <a:buClr>
                 <a:srgbClr val="434343"/>
               </a:buClr>
-              <a:buSzPts val="2400"/>
+              <a:buSzPct val="100000"/>
               <a:buFont typeface="Proxima Nova"/>
               <a:buChar char="●"/>
             </a:pPr>
@@ -15670,7 +15670,7 @@
               <a:buClr>
                 <a:srgbClr val="434343"/>
               </a:buClr>
-              <a:buSzPts val="2400"/>
+              <a:buSzPct val="100000"/>
               <a:buFont typeface="Proxima Nova"/>
               <a:buChar char="●"/>
             </a:pPr>
@@ -15696,7 +15696,7 @@
                 <a:cs typeface="Proxima Nova"/>
                 <a:sym typeface="Proxima Nova"/>
               </a:rPr>
-              <a:t>instructor office hours </a:t>
+              <a:t>instructor support </a:t>
             </a:r>
             <a:r>
               <a:rPr lang="en-US" sz="1600" dirty="0">
@@ -18200,7 +18200,7 @@
                 <a:cs typeface="Proxima Nova"/>
                 <a:sym typeface="Proxima Nova"/>
               </a:rPr>
-              <a:t>upport (for those doing a </a:t>
+              <a:t>upport and hiring partners (for those doing a </a:t>
             </a:r>
             <a:r>
               <a:rPr lang="en-US" b="1" dirty="0">
@@ -18225,61 +18225,6 @@
                 <a:sym typeface="Proxima Nova"/>
               </a:rPr>
               <a:t>ootcamp track)</a:t>
-            </a:r>
-          </a:p>
-          <a:p>
-            <a:pPr marL="76200" marR="0" lvl="0" indent="0" algn="l" rtl="0">
-              <a:lnSpc>
-                <a:spcPct val="115000"/>
-              </a:lnSpc>
-              <a:spcBef>
-                <a:spcPts val="0"/>
-              </a:spcBef>
-              <a:spcAft>
-                <a:spcPts val="0"/>
-              </a:spcAft>
-              <a:buClr>
-                <a:srgbClr val="434343"/>
-              </a:buClr>
-              <a:buSzPts val="2400"/>
-            </a:pPr>
-            <a:endParaRPr lang="en-US" b="1" dirty="0">
-              <a:solidFill>
-                <a:srgbClr val="434343"/>
-              </a:solidFill>
-              <a:latin typeface="Proxima Nova"/>
-              <a:ea typeface="Proxima Nova"/>
-              <a:cs typeface="Proxima Nova"/>
-              <a:sym typeface="Proxima Nova"/>
-            </a:endParaRPr>
-          </a:p>
-          <a:p>
-            <a:pPr marL="76200" marR="0" lvl="0" indent="0" algn="l" rtl="0">
-              <a:lnSpc>
-                <a:spcPct val="115000"/>
-              </a:lnSpc>
-              <a:spcBef>
-                <a:spcPts val="0"/>
-              </a:spcBef>
-              <a:spcAft>
-                <a:spcPts val="0"/>
-              </a:spcAft>
-              <a:buClr>
-                <a:srgbClr val="434343"/>
-              </a:buClr>
-              <a:buSzPts val="2400"/>
-            </a:pPr>
-            <a:r>
-              <a:rPr lang="en-US" b="1" dirty="0">
-                <a:solidFill>
-                  <a:srgbClr val="434343"/>
-                </a:solidFill>
-                <a:latin typeface="Proxima Nova"/>
-                <a:ea typeface="Proxima Nova"/>
-                <a:cs typeface="Proxima Nova"/>
-                <a:sym typeface="Proxima Nova"/>
-              </a:rPr>
-              <a:t>Hiring partners</a:t>
             </a:r>
           </a:p>
           <a:p>
@@ -18560,55 +18505,6 @@
                                           <p:spTgt spid="89">
                                             <p:txEl>
                                               <p:pRg st="6" end="6"/>
-                                            </p:txEl>
-                                          </p:spTgt>
-                                        </p:tgtEl>
-                                        <p:attrNameLst>
-                                          <p:attrName>style.visibility</p:attrName>
-                                        </p:attrNameLst>
-                                      </p:cBhvr>
-                                      <p:to>
-                                        <p:strVal val="visible"/>
-                                      </p:to>
-                                    </p:set>
-                                  </p:childTnLst>
-                                </p:cTn>
-                              </p:par>
-                            </p:childTnLst>
-                          </p:cTn>
-                        </p:par>
-                      </p:childTnLst>
-                    </p:cTn>
-                  </p:par>
-                  <p:par>
-                    <p:cTn id="19" fill="hold">
-                      <p:stCondLst>
-                        <p:cond delay="indefinite"/>
-                      </p:stCondLst>
-                      <p:childTnLst>
-                        <p:par>
-                          <p:cTn id="20" fill="hold">
-                            <p:stCondLst>
-                              <p:cond delay="0"/>
-                            </p:stCondLst>
-                            <p:childTnLst>
-                              <p:par>
-                                <p:cTn id="21" presetID="1" presetClass="entr" presetSubtype="0" fill="hold" grpId="0" nodeType="clickEffect">
-                                  <p:stCondLst>
-                                    <p:cond delay="0"/>
-                                  </p:stCondLst>
-                                  <p:childTnLst>
-                                    <p:set>
-                                      <p:cBhvr>
-                                        <p:cTn id="22" dur="1" fill="hold">
-                                          <p:stCondLst>
-                                            <p:cond delay="0"/>
-                                          </p:stCondLst>
-                                        </p:cTn>
-                                        <p:tgtEl>
-                                          <p:spTgt spid="89">
-                                            <p:txEl>
-                                              <p:pRg st="8" end="8"/>
                                             </p:txEl>
                                           </p:spTgt>
                                         </p:tgtEl>

--- a/metis_intro/Metis_Intro.pptx
+++ b/metis_intro/Metis_Intro.pptx
@@ -1,11 +1,11 @@
 
 <file path=ppt/presentation.xml><?xml version="1.0" encoding="utf-8"?>
-<p:presentation xmlns:a="http://schemas.openxmlformats.org/drawingml/2006/main" xmlns:r="http://schemas.openxmlformats.org/officeDocument/2006/relationships" xmlns:p="http://schemas.openxmlformats.org/presentationml/2006/main" strictFirstAndLastChars="0" embedTrueTypeFonts="1" saveSubsetFonts="1" autoCompressPictures="0">
+<p:presentation xmlns:a="http://schemas.openxmlformats.org/drawingml/2006/main" xmlns:r="http://schemas.openxmlformats.org/officeDocument/2006/relationships" xmlns:p="http://schemas.openxmlformats.org/presentationml/2006/main" strictFirstAndLastChars="0" embedTrueTypeFonts="1" autoCompressPictures="0">
   <p:sldMasterIdLst>
     <p:sldMasterId id="2147483659" r:id="rId1"/>
   </p:sldMasterIdLst>
   <p:notesMasterIdLst>
-    <p:notesMasterId r:id="rId22"/>
+    <p:notesMasterId r:id="rId23"/>
   </p:notesMasterIdLst>
   <p:sldIdLst>
     <p:sldId id="256" r:id="rId2"/>
@@ -22,22 +22,23 @@
     <p:sldId id="291" r:id="rId13"/>
     <p:sldId id="298" r:id="rId14"/>
     <p:sldId id="299" r:id="rId15"/>
-    <p:sldId id="292" r:id="rId16"/>
-    <p:sldId id="293" r:id="rId17"/>
-    <p:sldId id="294" r:id="rId18"/>
-    <p:sldId id="295" r:id="rId19"/>
-    <p:sldId id="296" r:id="rId20"/>
-    <p:sldId id="270" r:id="rId21"/>
+    <p:sldId id="302" r:id="rId16"/>
+    <p:sldId id="292" r:id="rId17"/>
+    <p:sldId id="293" r:id="rId18"/>
+    <p:sldId id="294" r:id="rId19"/>
+    <p:sldId id="295" r:id="rId20"/>
+    <p:sldId id="296" r:id="rId21"/>
+    <p:sldId id="270" r:id="rId22"/>
   </p:sldIdLst>
   <p:sldSz cx="9144000" cy="5143500" type="screen16x9"/>
   <p:notesSz cx="6858000" cy="9144000"/>
   <p:embeddedFontLst>
     <p:embeddedFont>
       <p:font typeface="Proxima Nova" panose="02000506030000020004" pitchFamily="2" charset="0"/>
-      <p:regular r:id="rId23"/>
-      <p:bold r:id="rId24"/>
-      <p:italic r:id="rId25"/>
-      <p:boldItalic r:id="rId26"/>
+      <p:regular r:id="rId24"/>
+      <p:bold r:id="rId25"/>
+      <p:italic r:id="rId26"/>
+      <p:boldItalic r:id="rId27"/>
     </p:embeddedFont>
   </p:embeddedFontLst>
   <p:defaultTextStyle>
@@ -1576,7 +1577,7 @@
     </p:spTree>
     <p:extLst>
       <p:ext uri="{BB962C8B-B14F-4D97-AF65-F5344CB8AC3E}">
-        <p14:creationId xmlns:p14="http://schemas.microsoft.com/office/powerpoint/2010/main" val="1711418592"/>
+        <p14:creationId xmlns:p14="http://schemas.microsoft.com/office/powerpoint/2010/main" val="1188575311"/>
       </p:ext>
     </p:extLst>
   </p:cSld>
@@ -1701,7 +1702,7 @@
     </p:spTree>
     <p:extLst>
       <p:ext uri="{BB962C8B-B14F-4D97-AF65-F5344CB8AC3E}">
-        <p14:creationId xmlns:p14="http://schemas.microsoft.com/office/powerpoint/2010/main" val="1078031188"/>
+        <p14:creationId xmlns:p14="http://schemas.microsoft.com/office/powerpoint/2010/main" val="1711418592"/>
       </p:ext>
     </p:extLst>
   </p:cSld>
@@ -1819,35 +1820,14 @@
               <a:buFont typeface="Arial"/>
               <a:buNone/>
             </a:pPr>
-            <a:r>
-              <a:rPr lang="en-US" sz="1100" b="0" i="0" u="none" strike="noStrike" cap="none" dirty="0"/>
-              <a:t>Can overcome by working with others, on pair problems or projects – realize everyone else is on the same page and you may be able to bring your own expertise in to teach your peers something.</a:t>
-            </a:r>
-          </a:p>
-          <a:p>
-            <a:pPr marL="0" marR="0" lvl="0" indent="0" algn="l" rtl="0">
-              <a:spcBef>
-                <a:spcPts val="0"/>
-              </a:spcBef>
-              <a:spcAft>
-                <a:spcPts val="0"/>
-              </a:spcAft>
-              <a:buSzPts val="1100"/>
-              <a:buFont typeface="Arial"/>
-              <a:buNone/>
-            </a:pPr>
-            <a:r>
-              <a:rPr lang="en-US" sz="1100" b="0" i="0" u="none" strike="noStrike" cap="none" dirty="0"/>
-              <a:t>Constantly communicate with the instructors. It’s okay if you don’t know something. We’re here to make sure you understand the material and get a job at the end.</a:t>
-            </a:r>
-            <a:endParaRPr sz="1100" b="0" i="0" u="none" strike="noStrike" cap="none" dirty="0"/>
+            <a:endParaRPr sz="1100" b="0" i="0" u="none" strike="noStrike" cap="none"/>
           </a:p>
         </p:txBody>
       </p:sp>
     </p:spTree>
     <p:extLst>
       <p:ext uri="{BB962C8B-B14F-4D97-AF65-F5344CB8AC3E}">
-        <p14:creationId xmlns:p14="http://schemas.microsoft.com/office/powerpoint/2010/main" val="495755719"/>
+        <p14:creationId xmlns:p14="http://schemas.microsoft.com/office/powerpoint/2010/main" val="1078031188"/>
       </p:ext>
     </p:extLst>
   </p:cSld>
@@ -1965,6 +1945,27 @@
               <a:buFont typeface="Arial"/>
               <a:buNone/>
             </a:pPr>
+            <a:r>
+              <a:rPr lang="en-US" sz="1100" b="0" i="0" u="none" strike="noStrike" cap="none" dirty="0"/>
+              <a:t>Can overcome by working with others, on pair problems or projects – realize everyone else is on the same page and you may be able to bring your own expertise in to teach your peers something.</a:t>
+            </a:r>
+          </a:p>
+          <a:p>
+            <a:pPr marL="0" marR="0" lvl="0" indent="0" algn="l" rtl="0">
+              <a:spcBef>
+                <a:spcPts val="0"/>
+              </a:spcBef>
+              <a:spcAft>
+                <a:spcPts val="0"/>
+              </a:spcAft>
+              <a:buSzPts val="1100"/>
+              <a:buFont typeface="Arial"/>
+              <a:buNone/>
+            </a:pPr>
+            <a:r>
+              <a:rPr lang="en-US" sz="1100" b="0" i="0" u="none" strike="noStrike" cap="none" dirty="0"/>
+              <a:t>Constantly communicate with the instructors. It’s okay if you don’t know something. We’re here to make sure you understand the material and get a job at the end.</a:t>
+            </a:r>
             <a:endParaRPr sz="1100" b="0" i="0" u="none" strike="noStrike" cap="none" dirty="0"/>
           </a:p>
         </p:txBody>
@@ -1972,7 +1973,7 @@
     </p:spTree>
     <p:extLst>
       <p:ext uri="{BB962C8B-B14F-4D97-AF65-F5344CB8AC3E}">
-        <p14:creationId xmlns:p14="http://schemas.microsoft.com/office/powerpoint/2010/main" val="3168874938"/>
+        <p14:creationId xmlns:p14="http://schemas.microsoft.com/office/powerpoint/2010/main" val="495755719"/>
       </p:ext>
     </p:extLst>
   </p:cSld>
@@ -2097,7 +2098,7 @@
     </p:spTree>
     <p:extLst>
       <p:ext uri="{BB962C8B-B14F-4D97-AF65-F5344CB8AC3E}">
-        <p14:creationId xmlns:p14="http://schemas.microsoft.com/office/powerpoint/2010/main" val="435466158"/>
+        <p14:creationId xmlns:p14="http://schemas.microsoft.com/office/powerpoint/2010/main" val="3168874938"/>
       </p:ext>
     </p:extLst>
   </p:cSld>
@@ -2233,6 +2234,131 @@
 </file>
 
 <file path=ppt/notesSlides/notesSlide20.xml><?xml version="1.0" encoding="utf-8"?>
+<p:notes xmlns:a="http://schemas.openxmlformats.org/drawingml/2006/main" xmlns:r="http://schemas.openxmlformats.org/officeDocument/2006/relationships" xmlns:p="http://schemas.openxmlformats.org/presentationml/2006/main" showMasterSp="0" showMasterPhAnim="0">
+  <p:cSld>
+    <p:spTree>
+      <p:nvGrpSpPr>
+        <p:cNvPr id="1" name="Shape 83"/>
+        <p:cNvGrpSpPr/>
+        <p:nvPr/>
+      </p:nvGrpSpPr>
+      <p:grpSpPr>
+        <a:xfrm>
+          <a:off x="0" y="0"/>
+          <a:ext cx="0" cy="0"/>
+          <a:chOff x="0" y="0"/>
+          <a:chExt cx="0" cy="0"/>
+        </a:xfrm>
+      </p:grpSpPr>
+      <p:sp>
+        <p:nvSpPr>
+          <p:cNvPr id="84" name="Google Shape;84;g3d34e4e9f8_3_114:notes"/>
+          <p:cNvSpPr>
+            <a:spLocks noGrp="1" noRot="1" noChangeAspect="1"/>
+          </p:cNvSpPr>
+          <p:nvPr>
+            <p:ph type="sldImg" idx="2"/>
+          </p:nvPr>
+        </p:nvSpPr>
+        <p:spPr>
+          <a:xfrm>
+            <a:off x="381000" y="685800"/>
+            <a:ext cx="6096000" cy="3429000"/>
+          </a:xfrm>
+          <a:custGeom>
+            <a:avLst/>
+            <a:gdLst/>
+            <a:ahLst/>
+            <a:cxnLst/>
+            <a:rect l="l" t="t" r="r" b="b"/>
+            <a:pathLst>
+              <a:path w="120000" h="120000" extrusionOk="0">
+                <a:moveTo>
+                  <a:pt x="0" y="0"/>
+                </a:moveTo>
+                <a:lnTo>
+                  <a:pt x="120000" y="0"/>
+                </a:lnTo>
+                <a:lnTo>
+                  <a:pt x="120000" y="120000"/>
+                </a:lnTo>
+                <a:lnTo>
+                  <a:pt x="0" y="120000"/>
+                </a:lnTo>
+                <a:close/>
+              </a:path>
+            </a:pathLst>
+          </a:custGeom>
+          <a:noFill/>
+          <a:ln w="9525" cap="flat" cmpd="sng">
+            <a:solidFill>
+              <a:srgbClr val="000000"/>
+            </a:solidFill>
+            <a:prstDash val="solid"/>
+            <a:round/>
+            <a:headEnd type="none" w="sm" len="sm"/>
+            <a:tailEnd type="none" w="sm" len="sm"/>
+          </a:ln>
+        </p:spPr>
+      </p:sp>
+      <p:sp>
+        <p:nvSpPr>
+          <p:cNvPr id="85" name="Google Shape;85;g3d34e4e9f8_3_114:notes"/>
+          <p:cNvSpPr txBox="1">
+            <a:spLocks noGrp="1"/>
+          </p:cNvSpPr>
+          <p:nvPr>
+            <p:ph type="body" idx="1"/>
+          </p:nvPr>
+        </p:nvSpPr>
+        <p:spPr>
+          <a:xfrm>
+            <a:off x="685800" y="4343400"/>
+            <a:ext cx="5486400" cy="4114800"/>
+          </a:xfrm>
+          <a:prstGeom prst="rect">
+            <a:avLst/>
+          </a:prstGeom>
+          <a:noFill/>
+          <a:ln>
+            <a:noFill/>
+          </a:ln>
+        </p:spPr>
+        <p:txBody>
+          <a:bodyPr spcFirstLastPara="1" wrap="square" lIns="91425" tIns="91425" rIns="91425" bIns="91425" anchor="t" anchorCtr="0">
+            <a:noAutofit/>
+          </a:bodyPr>
+          <a:lstStyle/>
+          <a:p>
+            <a:pPr marL="0" marR="0" lvl="0" indent="0" algn="l" rtl="0">
+              <a:spcBef>
+                <a:spcPts val="0"/>
+              </a:spcBef>
+              <a:spcAft>
+                <a:spcPts val="0"/>
+              </a:spcAft>
+              <a:buSzPts val="1100"/>
+              <a:buFont typeface="Arial"/>
+              <a:buNone/>
+            </a:pPr>
+            <a:endParaRPr sz="1100" b="0" i="0" u="none" strike="noStrike" cap="none" dirty="0"/>
+          </a:p>
+        </p:txBody>
+      </p:sp>
+    </p:spTree>
+    <p:extLst>
+      <p:ext uri="{BB962C8B-B14F-4D97-AF65-F5344CB8AC3E}">
+        <p14:creationId xmlns:p14="http://schemas.microsoft.com/office/powerpoint/2010/main" val="435466158"/>
+      </p:ext>
+    </p:extLst>
+  </p:cSld>
+  <p:clrMapOvr>
+    <a:masterClrMapping/>
+  </p:clrMapOvr>
+</p:notes>
+</file>
+
+<file path=ppt/notesSlides/notesSlide21.xml><?xml version="1.0" encoding="utf-8"?>
 <p:notes xmlns:a="http://schemas.openxmlformats.org/drawingml/2006/main" xmlns:r="http://schemas.openxmlformats.org/officeDocument/2006/relationships" xmlns:p="http://schemas.openxmlformats.org/presentationml/2006/main" showMasterSp="0" showMasterPhAnim="0">
   <p:cSld>
     <p:spTree>
@@ -13314,137 +13440,6 @@
   <p:clrMapOvr>
     <a:masterClrMapping/>
   </p:clrMapOvr>
-  <p:timing>
-    <p:tnLst>
-      <p:par>
-        <p:cTn id="1" dur="indefinite" restart="never" nodeType="tmRoot">
-          <p:childTnLst>
-            <p:seq concurrent="1" nextAc="seek">
-              <p:cTn id="2" dur="indefinite" nodeType="mainSeq">
-                <p:childTnLst>
-                  <p:par>
-                    <p:cTn id="3" fill="hold">
-                      <p:stCondLst>
-                        <p:cond delay="indefinite"/>
-                      </p:stCondLst>
-                      <p:childTnLst>
-                        <p:par>
-                          <p:cTn id="4" fill="hold">
-                            <p:stCondLst>
-                              <p:cond delay="0"/>
-                            </p:stCondLst>
-                            <p:childTnLst>
-                              <p:par>
-                                <p:cTn id="5" presetID="1" presetClass="entr" presetSubtype="0" fill="hold" grpId="0" nodeType="clickEffect">
-                                  <p:stCondLst>
-                                    <p:cond delay="0"/>
-                                  </p:stCondLst>
-                                  <p:childTnLst>
-                                    <p:set>
-                                      <p:cBhvr>
-                                        <p:cTn id="6" dur="1" fill="hold">
-                                          <p:stCondLst>
-                                            <p:cond delay="0"/>
-                                          </p:stCondLst>
-                                        </p:cTn>
-                                        <p:tgtEl>
-                                          <p:spTgt spid="10">
-                                            <p:txEl>
-                                              <p:pRg st="0" end="0"/>
-                                            </p:txEl>
-                                          </p:spTgt>
-                                        </p:tgtEl>
-                                        <p:attrNameLst>
-                                          <p:attrName>style.visibility</p:attrName>
-                                        </p:attrNameLst>
-                                      </p:cBhvr>
-                                      <p:to>
-                                        <p:strVal val="visible"/>
-                                      </p:to>
-                                    </p:set>
-                                  </p:childTnLst>
-                                </p:cTn>
-                              </p:par>
-                            </p:childTnLst>
-                          </p:cTn>
-                        </p:par>
-                      </p:childTnLst>
-                    </p:cTn>
-                  </p:par>
-                  <p:par>
-                    <p:cTn id="7" fill="hold">
-                      <p:stCondLst>
-                        <p:cond delay="indefinite"/>
-                      </p:stCondLst>
-                      <p:childTnLst>
-                        <p:par>
-                          <p:cTn id="8" fill="hold">
-                            <p:stCondLst>
-                              <p:cond delay="0"/>
-                            </p:stCondLst>
-                            <p:childTnLst>
-                              <p:par>
-                                <p:cTn id="9" presetID="1" presetClass="entr" presetSubtype="0" fill="hold" grpId="0" nodeType="clickEffect">
-                                  <p:stCondLst>
-                                    <p:cond delay="0"/>
-                                  </p:stCondLst>
-                                  <p:childTnLst>
-                                    <p:set>
-                                      <p:cBhvr>
-                                        <p:cTn id="10" dur="1" fill="hold">
-                                          <p:stCondLst>
-                                            <p:cond delay="0"/>
-                                          </p:stCondLst>
-                                        </p:cTn>
-                                        <p:tgtEl>
-                                          <p:spTgt spid="10">
-                                            <p:txEl>
-                                              <p:pRg st="2" end="2"/>
-                                            </p:txEl>
-                                          </p:spTgt>
-                                        </p:tgtEl>
-                                        <p:attrNameLst>
-                                          <p:attrName>style.visibility</p:attrName>
-                                        </p:attrNameLst>
-                                      </p:cBhvr>
-                                      <p:to>
-                                        <p:strVal val="visible"/>
-                                      </p:to>
-                                    </p:set>
-                                  </p:childTnLst>
-                                </p:cTn>
-                              </p:par>
-                            </p:childTnLst>
-                          </p:cTn>
-                        </p:par>
-                      </p:childTnLst>
-                    </p:cTn>
-                  </p:par>
-                </p:childTnLst>
-              </p:cTn>
-              <p:prevCondLst>
-                <p:cond evt="onPrev" delay="0">
-                  <p:tgtEl>
-                    <p:sldTgt/>
-                  </p:tgtEl>
-                </p:cond>
-              </p:prevCondLst>
-              <p:nextCondLst>
-                <p:cond evt="onNext" delay="0">
-                  <p:tgtEl>
-                    <p:sldTgt/>
-                  </p:tgtEl>
-                </p:cond>
-              </p:nextCondLst>
-            </p:seq>
-          </p:childTnLst>
-        </p:cTn>
-      </p:par>
-    </p:tnLst>
-    <p:bldLst>
-      <p:bldP spid="10" grpId="0" build="p"/>
-    </p:bldLst>
-  </p:timing>
 </p:sld>
 </file>
 
@@ -14075,88 +14070,6 @@
   <p:clrMapOvr>
     <a:masterClrMapping/>
   </p:clrMapOvr>
-  <p:timing>
-    <p:tnLst>
-      <p:par>
-        <p:cTn id="1" dur="indefinite" restart="never" nodeType="tmRoot">
-          <p:childTnLst>
-            <p:seq concurrent="1" nextAc="seek">
-              <p:cTn id="2" dur="indefinite" nodeType="mainSeq">
-                <p:childTnLst>
-                  <p:par>
-                    <p:cTn id="3" fill="hold">
-                      <p:stCondLst>
-                        <p:cond delay="indefinite"/>
-                      </p:stCondLst>
-                      <p:childTnLst>
-                        <p:par>
-                          <p:cTn id="4" fill="hold">
-                            <p:stCondLst>
-                              <p:cond delay="0"/>
-                            </p:stCondLst>
-                            <p:childTnLst>
-                              <p:par>
-                                <p:cTn id="5" presetID="1" presetClass="entr" presetSubtype="0" fill="hold" grpId="0" nodeType="clickEffect">
-                                  <p:stCondLst>
-                                    <p:cond delay="0"/>
-                                  </p:stCondLst>
-                                  <p:childTnLst>
-                                    <p:set>
-                                      <p:cBhvr>
-                                        <p:cTn id="6" dur="1" fill="hold">
-                                          <p:stCondLst>
-                                            <p:cond delay="0"/>
-                                          </p:stCondLst>
-                                        </p:cTn>
-                                        <p:tgtEl>
-                                          <p:spTgt spid="9">
-                                            <p:txEl>
-                                              <p:pRg st="0" end="0"/>
-                                            </p:txEl>
-                                          </p:spTgt>
-                                        </p:tgtEl>
-                                        <p:attrNameLst>
-                                          <p:attrName>style.visibility</p:attrName>
-                                        </p:attrNameLst>
-                                      </p:cBhvr>
-                                      <p:to>
-                                        <p:strVal val="visible"/>
-                                      </p:to>
-                                    </p:set>
-                                  </p:childTnLst>
-                                </p:cTn>
-                              </p:par>
-                            </p:childTnLst>
-                          </p:cTn>
-                        </p:par>
-                      </p:childTnLst>
-                    </p:cTn>
-                  </p:par>
-                </p:childTnLst>
-              </p:cTn>
-              <p:prevCondLst>
-                <p:cond evt="onPrev" delay="0">
-                  <p:tgtEl>
-                    <p:sldTgt/>
-                  </p:tgtEl>
-                </p:cond>
-              </p:prevCondLst>
-              <p:nextCondLst>
-                <p:cond evt="onNext" delay="0">
-                  <p:tgtEl>
-                    <p:sldTgt/>
-                  </p:tgtEl>
-                </p:cond>
-              </p:nextCondLst>
-            </p:seq>
-          </p:childTnLst>
-        </p:cTn>
-      </p:par>
-    </p:tnLst>
-    <p:bldLst>
-      <p:bldP spid="9" grpId="0" build="p"/>
-    </p:bldLst>
-  </p:timing>
 </p:sld>
 </file>
 
@@ -14735,235 +14648,6 @@
   <p:clrMapOvr>
     <a:masterClrMapping/>
   </p:clrMapOvr>
-  <p:timing>
-    <p:tnLst>
-      <p:par>
-        <p:cTn id="1" dur="indefinite" restart="never" nodeType="tmRoot">
-          <p:childTnLst>
-            <p:seq concurrent="1" nextAc="seek">
-              <p:cTn id="2" dur="indefinite" nodeType="mainSeq">
-                <p:childTnLst>
-                  <p:par>
-                    <p:cTn id="3" fill="hold">
-                      <p:stCondLst>
-                        <p:cond delay="indefinite"/>
-                      </p:stCondLst>
-                      <p:childTnLst>
-                        <p:par>
-                          <p:cTn id="4" fill="hold">
-                            <p:stCondLst>
-                              <p:cond delay="0"/>
-                            </p:stCondLst>
-                            <p:childTnLst>
-                              <p:par>
-                                <p:cTn id="5" presetID="1" presetClass="entr" presetSubtype="0" fill="hold" grpId="0" nodeType="clickEffect">
-                                  <p:stCondLst>
-                                    <p:cond delay="0"/>
-                                  </p:stCondLst>
-                                  <p:childTnLst>
-                                    <p:set>
-                                      <p:cBhvr>
-                                        <p:cTn id="6" dur="1" fill="hold">
-                                          <p:stCondLst>
-                                            <p:cond delay="0"/>
-                                          </p:stCondLst>
-                                        </p:cTn>
-                                        <p:tgtEl>
-                                          <p:spTgt spid="9">
-                                            <p:txEl>
-                                              <p:pRg st="0" end="0"/>
-                                            </p:txEl>
-                                          </p:spTgt>
-                                        </p:tgtEl>
-                                        <p:attrNameLst>
-                                          <p:attrName>style.visibility</p:attrName>
-                                        </p:attrNameLst>
-                                      </p:cBhvr>
-                                      <p:to>
-                                        <p:strVal val="visible"/>
-                                      </p:to>
-                                    </p:set>
-                                  </p:childTnLst>
-                                </p:cTn>
-                              </p:par>
-                            </p:childTnLst>
-                          </p:cTn>
-                        </p:par>
-                      </p:childTnLst>
-                    </p:cTn>
-                  </p:par>
-                  <p:par>
-                    <p:cTn id="7" fill="hold">
-                      <p:stCondLst>
-                        <p:cond delay="indefinite"/>
-                      </p:stCondLst>
-                      <p:childTnLst>
-                        <p:par>
-                          <p:cTn id="8" fill="hold">
-                            <p:stCondLst>
-                              <p:cond delay="0"/>
-                            </p:stCondLst>
-                            <p:childTnLst>
-                              <p:par>
-                                <p:cTn id="9" presetID="1" presetClass="entr" presetSubtype="0" fill="hold" grpId="0" nodeType="clickEffect">
-                                  <p:stCondLst>
-                                    <p:cond delay="0"/>
-                                  </p:stCondLst>
-                                  <p:childTnLst>
-                                    <p:set>
-                                      <p:cBhvr>
-                                        <p:cTn id="10" dur="1" fill="hold">
-                                          <p:stCondLst>
-                                            <p:cond delay="0"/>
-                                          </p:stCondLst>
-                                        </p:cTn>
-                                        <p:tgtEl>
-                                          <p:spTgt spid="9">
-                                            <p:txEl>
-                                              <p:pRg st="1" end="1"/>
-                                            </p:txEl>
-                                          </p:spTgt>
-                                        </p:tgtEl>
-                                        <p:attrNameLst>
-                                          <p:attrName>style.visibility</p:attrName>
-                                        </p:attrNameLst>
-                                      </p:cBhvr>
-                                      <p:to>
-                                        <p:strVal val="visible"/>
-                                      </p:to>
-                                    </p:set>
-                                  </p:childTnLst>
-                                </p:cTn>
-                              </p:par>
-                            </p:childTnLst>
-                          </p:cTn>
-                        </p:par>
-                      </p:childTnLst>
-                    </p:cTn>
-                  </p:par>
-                  <p:par>
-                    <p:cTn id="11" fill="hold">
-                      <p:stCondLst>
-                        <p:cond delay="indefinite"/>
-                      </p:stCondLst>
-                      <p:childTnLst>
-                        <p:par>
-                          <p:cTn id="12" fill="hold">
-                            <p:stCondLst>
-                              <p:cond delay="0"/>
-                            </p:stCondLst>
-                            <p:childTnLst>
-                              <p:par>
-                                <p:cTn id="13" presetID="1" presetClass="entr" presetSubtype="0" fill="hold" grpId="0" nodeType="clickEffect">
-                                  <p:stCondLst>
-                                    <p:cond delay="0"/>
-                                  </p:stCondLst>
-                                  <p:childTnLst>
-                                    <p:set>
-                                      <p:cBhvr>
-                                        <p:cTn id="14" dur="1" fill="hold">
-                                          <p:stCondLst>
-                                            <p:cond delay="0"/>
-                                          </p:stCondLst>
-                                        </p:cTn>
-                                        <p:tgtEl>
-                                          <p:spTgt spid="9">
-                                            <p:txEl>
-                                              <p:pRg st="2" end="2"/>
-                                            </p:txEl>
-                                          </p:spTgt>
-                                        </p:tgtEl>
-                                        <p:attrNameLst>
-                                          <p:attrName>style.visibility</p:attrName>
-                                        </p:attrNameLst>
-                                      </p:cBhvr>
-                                      <p:to>
-                                        <p:strVal val="visible"/>
-                                      </p:to>
-                                    </p:set>
-                                  </p:childTnLst>
-                                </p:cTn>
-                              </p:par>
-                            </p:childTnLst>
-                          </p:cTn>
-                        </p:par>
-                      </p:childTnLst>
-                    </p:cTn>
-                  </p:par>
-                  <p:par>
-                    <p:cTn id="15" fill="hold">
-                      <p:stCondLst>
-                        <p:cond delay="indefinite"/>
-                      </p:stCondLst>
-                      <p:childTnLst>
-                        <p:par>
-                          <p:cTn id="16" fill="hold">
-                            <p:stCondLst>
-                              <p:cond delay="0"/>
-                            </p:stCondLst>
-                            <p:childTnLst>
-                              <p:par>
-                                <p:cTn id="17" presetID="1" presetClass="entr" presetSubtype="0" fill="hold" grpId="0" nodeType="clickEffect">
-                                  <p:stCondLst>
-                                    <p:cond delay="0"/>
-                                  </p:stCondLst>
-                                  <p:childTnLst>
-                                    <p:set>
-                                      <p:cBhvr>
-                                        <p:cTn id="18" dur="1" fill="hold">
-                                          <p:stCondLst>
-                                            <p:cond delay="0"/>
-                                          </p:stCondLst>
-                                        </p:cTn>
-                                        <p:tgtEl>
-                                          <p:spTgt spid="9">
-                                            <p:txEl>
-                                              <p:pRg st="3" end="3"/>
-                                            </p:txEl>
-                                          </p:spTgt>
-                                        </p:tgtEl>
-                                        <p:attrNameLst>
-                                          <p:attrName>style.visibility</p:attrName>
-                                        </p:attrNameLst>
-                                      </p:cBhvr>
-                                      <p:to>
-                                        <p:strVal val="visible"/>
-                                      </p:to>
-                                    </p:set>
-                                  </p:childTnLst>
-                                </p:cTn>
-                              </p:par>
-                            </p:childTnLst>
-                          </p:cTn>
-                        </p:par>
-                      </p:childTnLst>
-                    </p:cTn>
-                  </p:par>
-                </p:childTnLst>
-              </p:cTn>
-              <p:prevCondLst>
-                <p:cond evt="onPrev" delay="0">
-                  <p:tgtEl>
-                    <p:sldTgt/>
-                  </p:tgtEl>
-                </p:cond>
-              </p:prevCondLst>
-              <p:nextCondLst>
-                <p:cond evt="onNext" delay="0">
-                  <p:tgtEl>
-                    <p:sldTgt/>
-                  </p:tgtEl>
-                </p:cond>
-              </p:nextCondLst>
-            </p:seq>
-          </p:childTnLst>
-        </p:cTn>
-      </p:par>
-    </p:tnLst>
-    <p:bldLst>
-      <p:bldP spid="9" grpId="0" build="p"/>
-    </p:bldLst>
-  </p:timing>
 </p:sld>
 </file>
 
@@ -15723,190 +15407,448 @@
   <p:clrMapOvr>
     <a:masterClrMapping/>
   </p:clrMapOvr>
-  <p:timing>
-    <p:tnLst>
-      <p:par>
-        <p:cTn id="1" dur="indefinite" restart="never" nodeType="tmRoot">
-          <p:childTnLst>
-            <p:seq concurrent="1" nextAc="seek">
-              <p:cTn id="2" dur="indefinite" nodeType="mainSeq">
-                <p:childTnLst>
-                  <p:par>
-                    <p:cTn id="3" fill="hold">
-                      <p:stCondLst>
-                        <p:cond delay="indefinite"/>
-                      </p:stCondLst>
-                      <p:childTnLst>
-                        <p:par>
-                          <p:cTn id="4" fill="hold">
-                            <p:stCondLst>
-                              <p:cond delay="0"/>
-                            </p:stCondLst>
-                            <p:childTnLst>
-                              <p:par>
-                                <p:cTn id="5" presetID="1" presetClass="entr" presetSubtype="0" fill="hold" grpId="0" nodeType="clickEffect">
-                                  <p:stCondLst>
-                                    <p:cond delay="0"/>
-                                  </p:stCondLst>
-                                  <p:childTnLst>
-                                    <p:set>
-                                      <p:cBhvr>
-                                        <p:cTn id="6" dur="1" fill="hold">
-                                          <p:stCondLst>
-                                            <p:cond delay="0"/>
-                                          </p:stCondLst>
-                                        </p:cTn>
-                                        <p:tgtEl>
-                                          <p:spTgt spid="10">
-                                            <p:txEl>
-                                              <p:pRg st="0" end="0"/>
-                                            </p:txEl>
-                                          </p:spTgt>
-                                        </p:tgtEl>
-                                        <p:attrNameLst>
-                                          <p:attrName>style.visibility</p:attrName>
-                                        </p:attrNameLst>
-                                      </p:cBhvr>
-                                      <p:to>
-                                        <p:strVal val="visible"/>
-                                      </p:to>
-                                    </p:set>
-                                  </p:childTnLst>
-                                </p:cTn>
-                              </p:par>
-                            </p:childTnLst>
-                          </p:cTn>
-                        </p:par>
-                      </p:childTnLst>
-                    </p:cTn>
-                  </p:par>
-                  <p:par>
-                    <p:cTn id="7" fill="hold">
-                      <p:stCondLst>
-                        <p:cond delay="indefinite"/>
-                      </p:stCondLst>
-                      <p:childTnLst>
-                        <p:par>
-                          <p:cTn id="8" fill="hold">
-                            <p:stCondLst>
-                              <p:cond delay="0"/>
-                            </p:stCondLst>
-                            <p:childTnLst>
-                              <p:par>
-                                <p:cTn id="9" presetID="1" presetClass="entr" presetSubtype="0" fill="hold" grpId="0" nodeType="clickEffect">
-                                  <p:stCondLst>
-                                    <p:cond delay="0"/>
-                                  </p:stCondLst>
-                                  <p:childTnLst>
-                                    <p:set>
-                                      <p:cBhvr>
-                                        <p:cTn id="10" dur="1" fill="hold">
-                                          <p:stCondLst>
-                                            <p:cond delay="0"/>
-                                          </p:stCondLst>
-                                        </p:cTn>
-                                        <p:tgtEl>
-                                          <p:spTgt spid="10">
-                                            <p:txEl>
-                                              <p:pRg st="2" end="2"/>
-                                            </p:txEl>
-                                          </p:spTgt>
-                                        </p:tgtEl>
-                                        <p:attrNameLst>
-                                          <p:attrName>style.visibility</p:attrName>
-                                        </p:attrNameLst>
-                                      </p:cBhvr>
-                                      <p:to>
-                                        <p:strVal val="visible"/>
-                                      </p:to>
-                                    </p:set>
-                                  </p:childTnLst>
-                                </p:cTn>
-                              </p:par>
-                            </p:childTnLst>
-                          </p:cTn>
-                        </p:par>
-                      </p:childTnLst>
-                    </p:cTn>
-                  </p:par>
-                  <p:par>
-                    <p:cTn id="11" fill="hold">
-                      <p:stCondLst>
-                        <p:cond delay="indefinite"/>
-                      </p:stCondLst>
-                      <p:childTnLst>
-                        <p:par>
-                          <p:cTn id="12" fill="hold">
-                            <p:stCondLst>
-                              <p:cond delay="0"/>
-                            </p:stCondLst>
-                            <p:childTnLst>
-                              <p:par>
-                                <p:cTn id="13" presetID="1" presetClass="entr" presetSubtype="0" fill="hold" grpId="0" nodeType="clickEffect">
-                                  <p:stCondLst>
-                                    <p:cond delay="0"/>
-                                  </p:stCondLst>
-                                  <p:childTnLst>
-                                    <p:set>
-                                      <p:cBhvr>
-                                        <p:cTn id="14" dur="1" fill="hold">
-                                          <p:stCondLst>
-                                            <p:cond delay="0"/>
-                                          </p:stCondLst>
-                                        </p:cTn>
-                                        <p:tgtEl>
-                                          <p:spTgt spid="10">
-                                            <p:txEl>
-                                              <p:pRg st="4" end="4"/>
-                                            </p:txEl>
-                                          </p:spTgt>
-                                        </p:tgtEl>
-                                        <p:attrNameLst>
-                                          <p:attrName>style.visibility</p:attrName>
-                                        </p:attrNameLst>
-                                      </p:cBhvr>
-                                      <p:to>
-                                        <p:strVal val="visible"/>
-                                      </p:to>
-                                    </p:set>
-                                  </p:childTnLst>
-                                </p:cTn>
-                              </p:par>
-                            </p:childTnLst>
-                          </p:cTn>
-                        </p:par>
-                      </p:childTnLst>
-                    </p:cTn>
-                  </p:par>
-                </p:childTnLst>
-              </p:cTn>
-              <p:prevCondLst>
-                <p:cond evt="onPrev" delay="0">
-                  <p:tgtEl>
-                    <p:sldTgt/>
-                  </p:tgtEl>
-                </p:cond>
-              </p:prevCondLst>
-              <p:nextCondLst>
-                <p:cond evt="onNext" delay="0">
-                  <p:tgtEl>
-                    <p:sldTgt/>
-                  </p:tgtEl>
-                </p:cond>
-              </p:nextCondLst>
-            </p:seq>
-          </p:childTnLst>
-        </p:cTn>
-      </p:par>
-    </p:tnLst>
-    <p:bldLst>
-      <p:bldP spid="10" grpId="0" build="p"/>
-    </p:bldLst>
-  </p:timing>
 </p:sld>
 </file>
 
 <file path=ppt/slides/slide15.xml><?xml version="1.0" encoding="utf-8"?>
+<p:sld xmlns:a="http://schemas.openxmlformats.org/drawingml/2006/main" xmlns:r="http://schemas.openxmlformats.org/officeDocument/2006/relationships" xmlns:p="http://schemas.openxmlformats.org/presentationml/2006/main">
+  <p:cSld>
+    <p:bg>
+      <p:bgPr>
+        <a:solidFill>
+          <a:srgbClr val="FFFFFF"/>
+        </a:solidFill>
+        <a:effectLst/>
+      </p:bgPr>
+    </p:bg>
+    <p:spTree>
+      <p:nvGrpSpPr>
+        <p:cNvPr id="1" name="Shape 86"/>
+        <p:cNvGrpSpPr/>
+        <p:nvPr/>
+      </p:nvGrpSpPr>
+      <p:grpSpPr>
+        <a:xfrm>
+          <a:off x="0" y="0"/>
+          <a:ext cx="0" cy="0"/>
+          <a:chOff x="0" y="0"/>
+          <a:chExt cx="0" cy="0"/>
+        </a:xfrm>
+      </p:grpSpPr>
+      <p:sp>
+        <p:nvSpPr>
+          <p:cNvPr id="87" name="Google Shape;87;p16"/>
+          <p:cNvSpPr/>
+          <p:nvPr/>
+        </p:nvSpPr>
+        <p:spPr>
+          <a:xfrm>
+            <a:off x="0" y="0"/>
+            <a:ext cx="9144000" cy="965400"/>
+          </a:xfrm>
+          <a:prstGeom prst="rect">
+            <a:avLst/>
+          </a:prstGeom>
+          <a:solidFill>
+            <a:srgbClr val="EF3969"/>
+          </a:solidFill>
+          <a:ln>
+            <a:noFill/>
+          </a:ln>
+        </p:spPr>
+        <p:txBody>
+          <a:bodyPr spcFirstLastPara="1" wrap="square" lIns="91425" tIns="91425" rIns="91425" bIns="91425" anchor="ctr" anchorCtr="0">
+            <a:noAutofit/>
+          </a:bodyPr>
+          <a:lstStyle/>
+          <a:p>
+            <a:pPr marL="0" marR="0" lvl="0" indent="0" algn="l" rtl="0">
+              <a:lnSpc>
+                <a:spcPct val="100000"/>
+              </a:lnSpc>
+              <a:spcBef>
+                <a:spcPts val="0"/>
+              </a:spcBef>
+              <a:spcAft>
+                <a:spcPts val="0"/>
+              </a:spcAft>
+              <a:buClr>
+                <a:srgbClr val="000000"/>
+              </a:buClr>
+              <a:buSzPts val="1400"/>
+              <a:buFont typeface="Arial"/>
+              <a:buNone/>
+            </a:pPr>
+            <a:endParaRPr sz="1400" b="0" i="0" u="none" strike="noStrike" cap="none">
+              <a:solidFill>
+                <a:srgbClr val="000000"/>
+              </a:solidFill>
+              <a:latin typeface="Arial"/>
+              <a:ea typeface="Arial"/>
+              <a:cs typeface="Arial"/>
+              <a:sym typeface="Arial"/>
+            </a:endParaRPr>
+          </a:p>
+        </p:txBody>
+      </p:sp>
+      <p:sp>
+        <p:nvSpPr>
+          <p:cNvPr id="88" name="Google Shape;88;p16"/>
+          <p:cNvSpPr txBox="1">
+            <a:spLocks noGrp="1"/>
+          </p:cNvSpPr>
+          <p:nvPr>
+            <p:ph type="title"/>
+          </p:nvPr>
+        </p:nvSpPr>
+        <p:spPr>
+          <a:xfrm>
+            <a:off x="311700" y="196350"/>
+            <a:ext cx="6606600" cy="572700"/>
+          </a:xfrm>
+          <a:prstGeom prst="rect">
+            <a:avLst/>
+          </a:prstGeom>
+          <a:noFill/>
+          <a:ln>
+            <a:noFill/>
+          </a:ln>
+        </p:spPr>
+        <p:txBody>
+          <a:bodyPr spcFirstLastPara="1" wrap="square" lIns="91425" tIns="91425" rIns="91425" bIns="91425" anchor="t" anchorCtr="0">
+            <a:noAutofit/>
+          </a:bodyPr>
+          <a:lstStyle/>
+          <a:p>
+            <a:pPr marL="0" marR="0" lvl="0" indent="0" algn="l" rtl="0">
+              <a:lnSpc>
+                <a:spcPct val="100000"/>
+              </a:lnSpc>
+              <a:spcBef>
+                <a:spcPts val="0"/>
+              </a:spcBef>
+              <a:spcAft>
+                <a:spcPts val="0"/>
+              </a:spcAft>
+              <a:buClr>
+                <a:schemeClr val="dk1"/>
+              </a:buClr>
+              <a:buSzPts val="2800"/>
+              <a:buFont typeface="Proxima Nova"/>
+              <a:buNone/>
+            </a:pPr>
+            <a:r>
+              <a:rPr lang="en-US" b="1" dirty="0">
+                <a:solidFill>
+                  <a:srgbClr val="FFFFFF"/>
+                </a:solidFill>
+                <a:latin typeface="Proxima Nova"/>
+                <a:sym typeface="Proxima Nova"/>
+              </a:rPr>
+              <a:t>Culture: Inclusivity</a:t>
+            </a:r>
+            <a:endParaRPr dirty="0"/>
+          </a:p>
+        </p:txBody>
+      </p:sp>
+      <p:sp>
+        <p:nvSpPr>
+          <p:cNvPr id="89" name="Google Shape;89;p16"/>
+          <p:cNvSpPr txBox="1">
+            <a:spLocks noGrp="1"/>
+          </p:cNvSpPr>
+          <p:nvPr>
+            <p:ph type="body" idx="1"/>
+          </p:nvPr>
+        </p:nvSpPr>
+        <p:spPr>
+          <a:xfrm>
+            <a:off x="394800" y="1255600"/>
+            <a:ext cx="8520600" cy="3165794"/>
+          </a:xfrm>
+          <a:prstGeom prst="rect">
+            <a:avLst/>
+          </a:prstGeom>
+          <a:noFill/>
+          <a:ln>
+            <a:noFill/>
+          </a:ln>
+        </p:spPr>
+        <p:txBody>
+          <a:bodyPr spcFirstLastPara="1" wrap="square" lIns="91425" tIns="91425" rIns="91425" bIns="91425" numCol="1" anchor="t" anchorCtr="0">
+            <a:noAutofit/>
+          </a:bodyPr>
+          <a:lstStyle/>
+          <a:p>
+            <a:pPr marL="76200" marR="0" lvl="0" indent="0" algn="l" rtl="0">
+              <a:lnSpc>
+                <a:spcPct val="115000"/>
+              </a:lnSpc>
+              <a:spcBef>
+                <a:spcPts val="0"/>
+              </a:spcBef>
+              <a:spcAft>
+                <a:spcPts val="0"/>
+              </a:spcAft>
+              <a:buClr>
+                <a:srgbClr val="434343"/>
+              </a:buClr>
+              <a:buSzPts val="2400"/>
+            </a:pPr>
+            <a:r>
+              <a:rPr lang="en-US" b="1" dirty="0">
+                <a:solidFill>
+                  <a:srgbClr val="434343"/>
+                </a:solidFill>
+                <a:latin typeface="Proxima Nova"/>
+                <a:ea typeface="Proxima Nova"/>
+                <a:cs typeface="Proxima Nova"/>
+                <a:sym typeface="Proxima Nova"/>
+              </a:rPr>
+              <a:t>Metis is committed to promoting an </a:t>
+            </a:r>
+            <a:r>
+              <a:rPr lang="en-US" b="1" dirty="0">
+                <a:solidFill>
+                  <a:schemeClr val="accent4"/>
+                </a:solidFill>
+                <a:latin typeface="Proxima Nova"/>
+                <a:ea typeface="Proxima Nova"/>
+                <a:cs typeface="Proxima Nova"/>
+                <a:sym typeface="Proxima Nova"/>
+              </a:rPr>
+              <a:t>inclusive learning environment</a:t>
+            </a:r>
+          </a:p>
+          <a:p>
+            <a:pPr marL="76200" marR="0" lvl="0" indent="0" algn="l" rtl="0">
+              <a:lnSpc>
+                <a:spcPct val="115000"/>
+              </a:lnSpc>
+              <a:spcBef>
+                <a:spcPts val="0"/>
+              </a:spcBef>
+              <a:spcAft>
+                <a:spcPts val="0"/>
+              </a:spcAft>
+              <a:buClr>
+                <a:srgbClr val="434343"/>
+              </a:buClr>
+              <a:buSzPts val="2400"/>
+            </a:pPr>
+            <a:endParaRPr lang="en-US" b="1" i="0" u="none" strike="noStrike" cap="none" dirty="0">
+              <a:solidFill>
+                <a:srgbClr val="434343"/>
+              </a:solidFill>
+              <a:latin typeface="Proxima Nova"/>
+              <a:ea typeface="Proxima Nova"/>
+              <a:cs typeface="Proxima Nova"/>
+              <a:sym typeface="Proxima Nova"/>
+            </a:endParaRPr>
+          </a:p>
+          <a:p>
+            <a:pPr marL="76200" marR="0" lvl="0" indent="0" algn="l" rtl="0">
+              <a:lnSpc>
+                <a:spcPct val="115000"/>
+              </a:lnSpc>
+              <a:spcBef>
+                <a:spcPts val="0"/>
+              </a:spcBef>
+              <a:spcAft>
+                <a:spcPts val="0"/>
+              </a:spcAft>
+              <a:buClr>
+                <a:srgbClr val="434343"/>
+              </a:buClr>
+              <a:buSzPts val="2400"/>
+            </a:pPr>
+            <a:r>
+              <a:rPr lang="en-US" b="1" dirty="0">
+                <a:solidFill>
+                  <a:srgbClr val="434343"/>
+                </a:solidFill>
+                <a:latin typeface="Proxima Nova"/>
+                <a:ea typeface="Proxima Nova"/>
+                <a:cs typeface="Proxima Nova"/>
+                <a:sym typeface="Proxima Nova"/>
+              </a:rPr>
+              <a:t>1. Diversity of backgrounds</a:t>
+            </a:r>
+          </a:p>
+          <a:p>
+            <a:pPr marL="76200" marR="0" lvl="0" indent="0" algn="l" rtl="0">
+              <a:lnSpc>
+                <a:spcPct val="115000"/>
+              </a:lnSpc>
+              <a:spcBef>
+                <a:spcPts val="0"/>
+              </a:spcBef>
+              <a:spcAft>
+                <a:spcPts val="0"/>
+              </a:spcAft>
+              <a:buClr>
+                <a:srgbClr val="434343"/>
+              </a:buClr>
+              <a:buSzPts val="2400"/>
+            </a:pPr>
+            <a:endParaRPr lang="en-US" b="1" i="0" u="none" strike="noStrike" cap="none" dirty="0">
+              <a:solidFill>
+                <a:srgbClr val="434343"/>
+              </a:solidFill>
+              <a:latin typeface="Proxima Nova"/>
+              <a:ea typeface="Proxima Nova"/>
+              <a:cs typeface="Proxima Nova"/>
+              <a:sym typeface="Proxima Nova"/>
+            </a:endParaRPr>
+          </a:p>
+          <a:p>
+            <a:pPr marL="76200" marR="0" lvl="0" indent="0" algn="l" rtl="0">
+              <a:lnSpc>
+                <a:spcPct val="115000"/>
+              </a:lnSpc>
+              <a:spcBef>
+                <a:spcPts val="0"/>
+              </a:spcBef>
+              <a:spcAft>
+                <a:spcPts val="0"/>
+              </a:spcAft>
+              <a:buClr>
+                <a:srgbClr val="434343"/>
+              </a:buClr>
+              <a:buSzPts val="2400"/>
+            </a:pPr>
+            <a:r>
+              <a:rPr lang="en-US" b="1">
+                <a:solidFill>
+                  <a:srgbClr val="434343"/>
+                </a:solidFill>
+                <a:latin typeface="Proxima Nova"/>
+                <a:ea typeface="Proxima Nova"/>
+                <a:cs typeface="Proxima Nova"/>
+                <a:sym typeface="Proxima Nova"/>
+              </a:rPr>
+              <a:t>2. Community </a:t>
+            </a:r>
+            <a:r>
+              <a:rPr lang="en-US" b="1" dirty="0">
+                <a:solidFill>
+                  <a:srgbClr val="434343"/>
+                </a:solidFill>
+                <a:latin typeface="Proxima Nova"/>
+                <a:ea typeface="Proxima Nova"/>
+                <a:cs typeface="Proxima Nova"/>
+                <a:sym typeface="Proxima Nova"/>
+              </a:rPr>
+              <a:t>of respect</a:t>
+            </a:r>
+          </a:p>
+          <a:p>
+            <a:pPr marL="76200" marR="0" lvl="0" indent="0" algn="l" rtl="0">
+              <a:lnSpc>
+                <a:spcPct val="115000"/>
+              </a:lnSpc>
+              <a:spcBef>
+                <a:spcPts val="0"/>
+              </a:spcBef>
+              <a:spcAft>
+                <a:spcPts val="0"/>
+              </a:spcAft>
+              <a:buClr>
+                <a:srgbClr val="434343"/>
+              </a:buClr>
+              <a:buSzPts val="2400"/>
+            </a:pPr>
+            <a:endParaRPr lang="en-US" b="1" dirty="0">
+              <a:solidFill>
+                <a:srgbClr val="434343"/>
+              </a:solidFill>
+              <a:latin typeface="Proxima Nova"/>
+              <a:ea typeface="Proxima Nova"/>
+              <a:cs typeface="Proxima Nova"/>
+              <a:sym typeface="Proxima Nova"/>
+            </a:endParaRPr>
+          </a:p>
+          <a:p>
+            <a:pPr marL="76200" marR="0" lvl="0" indent="0" algn="l" rtl="0">
+              <a:lnSpc>
+                <a:spcPct val="115000"/>
+              </a:lnSpc>
+              <a:spcBef>
+                <a:spcPts val="0"/>
+              </a:spcBef>
+              <a:spcAft>
+                <a:spcPts val="0"/>
+              </a:spcAft>
+              <a:buClr>
+                <a:srgbClr val="434343"/>
+              </a:buClr>
+              <a:buSzPts val="2400"/>
+            </a:pPr>
+            <a:r>
+              <a:rPr lang="en-US" b="1" dirty="0">
+                <a:solidFill>
+                  <a:srgbClr val="434343"/>
+                </a:solidFill>
+                <a:latin typeface="Proxima Nova"/>
+                <a:ea typeface="Proxima Nova"/>
+                <a:cs typeface="Proxima Nova"/>
+                <a:sym typeface="Proxima Nova"/>
+              </a:rPr>
+              <a:t>3. All voices heard</a:t>
+            </a:r>
+            <a:endParaRPr lang="en-US" b="1" i="0" u="none" strike="noStrike" cap="none" dirty="0">
+              <a:solidFill>
+                <a:srgbClr val="434343"/>
+              </a:solidFill>
+              <a:latin typeface="Proxima Nova"/>
+              <a:ea typeface="Proxima Nova"/>
+              <a:cs typeface="Proxima Nova"/>
+              <a:sym typeface="Proxima Nova"/>
+            </a:endParaRPr>
+          </a:p>
+        </p:txBody>
+      </p:sp>
+      <p:pic>
+        <p:nvPicPr>
+          <p:cNvPr id="90" name="Google Shape;90;p16" descr="metis-mini.png"/>
+          <p:cNvPicPr preferRelativeResize="0"/>
+          <p:nvPr/>
+        </p:nvPicPr>
+        <p:blipFill rotWithShape="1">
+          <a:blip r:embed="rId3">
+            <a:alphaModFix amt="25000"/>
+          </a:blip>
+          <a:srcRect/>
+          <a:stretch/>
+        </p:blipFill>
+        <p:spPr>
+          <a:xfrm>
+            <a:off x="8512774" y="290199"/>
+            <a:ext cx="326424" cy="384999"/>
+          </a:xfrm>
+          <a:prstGeom prst="rect">
+            <a:avLst/>
+          </a:prstGeom>
+          <a:noFill/>
+          <a:ln>
+            <a:noFill/>
+          </a:ln>
+        </p:spPr>
+      </p:pic>
+    </p:spTree>
+    <p:extLst>
+      <p:ext uri="{BB962C8B-B14F-4D97-AF65-F5344CB8AC3E}">
+        <p14:creationId xmlns:p14="http://schemas.microsoft.com/office/powerpoint/2010/main" val="405111993"/>
+      </p:ext>
+    </p:extLst>
+  </p:cSld>
+  <p:clrMapOvr>
+    <a:masterClrMapping/>
+  </p:clrMapOvr>
+</p:sld>
+</file>
+
+<file path=ppt/slides/slide16.xml><?xml version="1.0" encoding="utf-8"?>
 <p:sld xmlns:a="http://schemas.openxmlformats.org/drawingml/2006/main" xmlns:r="http://schemas.openxmlformats.org/officeDocument/2006/relationships" xmlns:p="http://schemas.openxmlformats.org/presentationml/2006/main">
   <p:cSld>
     <p:bg>
@@ -16447,7 +16389,7 @@
 </p:sld>
 </file>
 
-<file path=ppt/slides/slide16.xml><?xml version="1.0" encoding="utf-8"?>
+<file path=ppt/slides/slide17.xml><?xml version="1.0" encoding="utf-8"?>
 <p:sld xmlns:a="http://schemas.openxmlformats.org/drawingml/2006/main" xmlns:r="http://schemas.openxmlformats.org/officeDocument/2006/relationships" xmlns:p="http://schemas.openxmlformats.org/presentationml/2006/main">
   <p:cSld>
     <p:bg>
@@ -16658,553 +16600,6 @@
 </p:sld>
 </file>
 
-<file path=ppt/slides/slide17.xml><?xml version="1.0" encoding="utf-8"?>
-<p:sld xmlns:a="http://schemas.openxmlformats.org/drawingml/2006/main" xmlns:r="http://schemas.openxmlformats.org/officeDocument/2006/relationships" xmlns:p="http://schemas.openxmlformats.org/presentationml/2006/main">
-  <p:cSld>
-    <p:bg>
-      <p:bgPr>
-        <a:solidFill>
-          <a:srgbClr val="FFFFFF"/>
-        </a:solidFill>
-        <a:effectLst/>
-      </p:bgPr>
-    </p:bg>
-    <p:spTree>
-      <p:nvGrpSpPr>
-        <p:cNvPr id="1" name="Shape 86"/>
-        <p:cNvGrpSpPr/>
-        <p:nvPr/>
-      </p:nvGrpSpPr>
-      <p:grpSpPr>
-        <a:xfrm>
-          <a:off x="0" y="0"/>
-          <a:ext cx="0" cy="0"/>
-          <a:chOff x="0" y="0"/>
-          <a:chExt cx="0" cy="0"/>
-        </a:xfrm>
-      </p:grpSpPr>
-      <p:sp>
-        <p:nvSpPr>
-          <p:cNvPr id="87" name="Google Shape;87;p16"/>
-          <p:cNvSpPr/>
-          <p:nvPr/>
-        </p:nvSpPr>
-        <p:spPr>
-          <a:xfrm>
-            <a:off x="0" y="0"/>
-            <a:ext cx="9144000" cy="965400"/>
-          </a:xfrm>
-          <a:prstGeom prst="rect">
-            <a:avLst/>
-          </a:prstGeom>
-          <a:solidFill>
-            <a:srgbClr val="EF3969"/>
-          </a:solidFill>
-          <a:ln>
-            <a:noFill/>
-          </a:ln>
-        </p:spPr>
-        <p:txBody>
-          <a:bodyPr spcFirstLastPara="1" wrap="square" lIns="91425" tIns="91425" rIns="91425" bIns="91425" anchor="ctr" anchorCtr="0">
-            <a:noAutofit/>
-          </a:bodyPr>
-          <a:lstStyle/>
-          <a:p>
-            <a:pPr marL="0" marR="0" lvl="0" indent="0" algn="l" rtl="0">
-              <a:lnSpc>
-                <a:spcPct val="100000"/>
-              </a:lnSpc>
-              <a:spcBef>
-                <a:spcPts val="0"/>
-              </a:spcBef>
-              <a:spcAft>
-                <a:spcPts val="0"/>
-              </a:spcAft>
-              <a:buClr>
-                <a:srgbClr val="000000"/>
-              </a:buClr>
-              <a:buSzPts val="1400"/>
-              <a:buFont typeface="Arial"/>
-              <a:buNone/>
-            </a:pPr>
-            <a:endParaRPr sz="1400" b="0" i="0" u="none" strike="noStrike" cap="none">
-              <a:solidFill>
-                <a:srgbClr val="000000"/>
-              </a:solidFill>
-              <a:latin typeface="Arial"/>
-              <a:ea typeface="Arial"/>
-              <a:cs typeface="Arial"/>
-              <a:sym typeface="Arial"/>
-            </a:endParaRPr>
-          </a:p>
-        </p:txBody>
-      </p:sp>
-      <p:sp>
-        <p:nvSpPr>
-          <p:cNvPr id="88" name="Google Shape;88;p16"/>
-          <p:cNvSpPr txBox="1">
-            <a:spLocks noGrp="1"/>
-          </p:cNvSpPr>
-          <p:nvPr>
-            <p:ph type="title"/>
-          </p:nvPr>
-        </p:nvSpPr>
-        <p:spPr>
-          <a:xfrm>
-            <a:off x="311700" y="196350"/>
-            <a:ext cx="6606600" cy="572700"/>
-          </a:xfrm>
-          <a:prstGeom prst="rect">
-            <a:avLst/>
-          </a:prstGeom>
-          <a:noFill/>
-          <a:ln>
-            <a:noFill/>
-          </a:ln>
-        </p:spPr>
-        <p:txBody>
-          <a:bodyPr spcFirstLastPara="1" wrap="square" lIns="91425" tIns="91425" rIns="91425" bIns="91425" anchor="t" anchorCtr="0">
-            <a:noAutofit/>
-          </a:bodyPr>
-          <a:lstStyle/>
-          <a:p>
-            <a:pPr marL="0" marR="0" lvl="0" indent="0" algn="l" rtl="0">
-              <a:lnSpc>
-                <a:spcPct val="100000"/>
-              </a:lnSpc>
-              <a:spcBef>
-                <a:spcPts val="0"/>
-              </a:spcBef>
-              <a:spcAft>
-                <a:spcPts val="0"/>
-              </a:spcAft>
-              <a:buClr>
-                <a:schemeClr val="dk1"/>
-              </a:buClr>
-              <a:buSzPts val="2800"/>
-              <a:buFont typeface="Proxima Nova"/>
-              <a:buNone/>
-            </a:pPr>
-            <a:r>
-              <a:rPr lang="en-US" b="1" dirty="0">
-                <a:solidFill>
-                  <a:srgbClr val="FFFFFF"/>
-                </a:solidFill>
-                <a:latin typeface="Proxima Nova"/>
-                <a:sym typeface="Proxima Nova"/>
-              </a:rPr>
-              <a:t>Culture: Imposter Syndrome</a:t>
-            </a:r>
-            <a:endParaRPr dirty="0"/>
-          </a:p>
-        </p:txBody>
-      </p:sp>
-      <p:sp>
-        <p:nvSpPr>
-          <p:cNvPr id="89" name="Google Shape;89;p16"/>
-          <p:cNvSpPr txBox="1">
-            <a:spLocks noGrp="1"/>
-          </p:cNvSpPr>
-          <p:nvPr>
-            <p:ph type="body" idx="1"/>
-          </p:nvPr>
-        </p:nvSpPr>
-        <p:spPr>
-          <a:xfrm>
-            <a:off x="394800" y="1255600"/>
-            <a:ext cx="8520600" cy="3165794"/>
-          </a:xfrm>
-          <a:prstGeom prst="rect">
-            <a:avLst/>
-          </a:prstGeom>
-          <a:noFill/>
-          <a:ln>
-            <a:noFill/>
-          </a:ln>
-        </p:spPr>
-        <p:txBody>
-          <a:bodyPr spcFirstLastPara="1" wrap="square" lIns="91425" tIns="91425" rIns="91425" bIns="91425" numCol="2" anchor="t" anchorCtr="0">
-            <a:noAutofit/>
-          </a:bodyPr>
-          <a:lstStyle/>
-          <a:p>
-            <a:pPr marL="76200" marR="0" lvl="0" indent="0" algn="l" rtl="0">
-              <a:lnSpc>
-                <a:spcPct val="115000"/>
-              </a:lnSpc>
-              <a:spcBef>
-                <a:spcPts val="0"/>
-              </a:spcBef>
-              <a:spcAft>
-                <a:spcPts val="0"/>
-              </a:spcAft>
-              <a:buClr>
-                <a:srgbClr val="434343"/>
-              </a:buClr>
-              <a:buSzPts val="2400"/>
-            </a:pPr>
-            <a:r>
-              <a:rPr lang="en-US" b="1" dirty="0">
-                <a:solidFill>
-                  <a:srgbClr val="434343"/>
-                </a:solidFill>
-                <a:latin typeface="Proxima Nova"/>
-                <a:ea typeface="Proxima Nova"/>
-                <a:cs typeface="Proxima Nova"/>
-                <a:sym typeface="Proxima Nova"/>
-              </a:rPr>
-              <a:t>You must overcome two things:</a:t>
-            </a:r>
-          </a:p>
-          <a:p>
-            <a:pPr marL="76200" marR="0" lvl="0" indent="0" algn="l" rtl="0">
-              <a:lnSpc>
-                <a:spcPct val="115000"/>
-              </a:lnSpc>
-              <a:spcBef>
-                <a:spcPts val="0"/>
-              </a:spcBef>
-              <a:spcAft>
-                <a:spcPts val="0"/>
-              </a:spcAft>
-              <a:buClr>
-                <a:srgbClr val="434343"/>
-              </a:buClr>
-              <a:buSzPts val="2400"/>
-            </a:pPr>
-            <a:endParaRPr lang="en-US" b="1" i="0" u="none" strike="noStrike" cap="none" dirty="0">
-              <a:solidFill>
-                <a:srgbClr val="434343"/>
-              </a:solidFill>
-              <a:latin typeface="Proxima Nova"/>
-              <a:ea typeface="Proxima Nova"/>
-              <a:cs typeface="Proxima Nova"/>
-              <a:sym typeface="Proxima Nova"/>
-            </a:endParaRPr>
-          </a:p>
-          <a:p>
-            <a:pPr marL="76200" marR="0" lvl="0" indent="0" algn="l" rtl="0">
-              <a:lnSpc>
-                <a:spcPct val="115000"/>
-              </a:lnSpc>
-              <a:spcBef>
-                <a:spcPts val="0"/>
-              </a:spcBef>
-              <a:spcAft>
-                <a:spcPts val="0"/>
-              </a:spcAft>
-              <a:buClr>
-                <a:srgbClr val="434343"/>
-              </a:buClr>
-              <a:buSzPts val="2400"/>
-            </a:pPr>
-            <a:r>
-              <a:rPr lang="en-US" b="1" dirty="0">
-                <a:solidFill>
-                  <a:srgbClr val="434343"/>
-                </a:solidFill>
-                <a:latin typeface="Proxima Nova"/>
-                <a:ea typeface="Proxima Nova"/>
-                <a:cs typeface="Proxima Nova"/>
-                <a:sym typeface="Proxima Nova"/>
-              </a:rPr>
-              <a:t>1. Imposter Syndrome</a:t>
-            </a:r>
-          </a:p>
-          <a:p>
-            <a:pPr marL="76200" marR="0" lvl="0" indent="0" algn="l" rtl="0">
-              <a:lnSpc>
-                <a:spcPct val="115000"/>
-              </a:lnSpc>
-              <a:spcBef>
-                <a:spcPts val="0"/>
-              </a:spcBef>
-              <a:spcAft>
-                <a:spcPts val="0"/>
-              </a:spcAft>
-              <a:buClr>
-                <a:srgbClr val="434343"/>
-              </a:buClr>
-              <a:buSzPts val="2400"/>
-            </a:pPr>
-            <a:endParaRPr lang="en-US" dirty="0">
-              <a:solidFill>
-                <a:srgbClr val="434343"/>
-              </a:solidFill>
-              <a:latin typeface="Proxima Nova"/>
-              <a:ea typeface="Proxima Nova"/>
-              <a:cs typeface="Proxima Nova"/>
-              <a:sym typeface="Proxima Nova"/>
-            </a:endParaRPr>
-          </a:p>
-          <a:p>
-            <a:pPr marL="76200" marR="0" lvl="0" indent="0" algn="l" rtl="0">
-              <a:lnSpc>
-                <a:spcPct val="115000"/>
-              </a:lnSpc>
-              <a:spcBef>
-                <a:spcPts val="0"/>
-              </a:spcBef>
-              <a:spcAft>
-                <a:spcPts val="0"/>
-              </a:spcAft>
-              <a:buClr>
-                <a:srgbClr val="434343"/>
-              </a:buClr>
-              <a:buSzPts val="2400"/>
-            </a:pPr>
-            <a:r>
-              <a:rPr lang="en-US" dirty="0">
-                <a:solidFill>
-                  <a:srgbClr val="434343"/>
-                </a:solidFill>
-                <a:latin typeface="Proxima Nova"/>
-                <a:ea typeface="Proxima Nova"/>
-                <a:cs typeface="Proxima Nova"/>
-                <a:sym typeface="Proxima Nova"/>
-              </a:rPr>
-              <a:t>    Collaboration</a:t>
-            </a:r>
-          </a:p>
-          <a:p>
-            <a:pPr marL="76200" marR="0" lvl="0" indent="0" algn="l" rtl="0">
-              <a:lnSpc>
-                <a:spcPct val="115000"/>
-              </a:lnSpc>
-              <a:spcBef>
-                <a:spcPts val="0"/>
-              </a:spcBef>
-              <a:spcAft>
-                <a:spcPts val="0"/>
-              </a:spcAft>
-              <a:buClr>
-                <a:srgbClr val="434343"/>
-              </a:buClr>
-              <a:buSzPts val="2400"/>
-            </a:pPr>
-            <a:endParaRPr lang="en-US" dirty="0">
-              <a:solidFill>
-                <a:srgbClr val="434343"/>
-              </a:solidFill>
-              <a:latin typeface="Proxima Nova"/>
-              <a:ea typeface="Proxima Nova"/>
-              <a:cs typeface="Proxima Nova"/>
-              <a:sym typeface="Proxima Nova"/>
-            </a:endParaRPr>
-          </a:p>
-          <a:p>
-            <a:pPr marL="76200" marR="0" lvl="0" indent="0" algn="l" rtl="0">
-              <a:lnSpc>
-                <a:spcPct val="115000"/>
-              </a:lnSpc>
-              <a:spcBef>
-                <a:spcPts val="0"/>
-              </a:spcBef>
-              <a:spcAft>
-                <a:spcPts val="0"/>
-              </a:spcAft>
-              <a:buClr>
-                <a:srgbClr val="434343"/>
-              </a:buClr>
-              <a:buSzPts val="2400"/>
-            </a:pPr>
-            <a:r>
-              <a:rPr lang="en-US" dirty="0">
-                <a:solidFill>
-                  <a:srgbClr val="434343"/>
-                </a:solidFill>
-                <a:latin typeface="Proxima Nova"/>
-                <a:ea typeface="Proxima Nova"/>
-                <a:cs typeface="Proxima Nova"/>
-                <a:sym typeface="Proxima Nova"/>
-              </a:rPr>
-              <a:t>    Communication</a:t>
-            </a:r>
-          </a:p>
-          <a:p>
-            <a:pPr marL="76200" marR="0" lvl="0" indent="0" algn="l" rtl="0">
-              <a:lnSpc>
-                <a:spcPct val="115000"/>
-              </a:lnSpc>
-              <a:spcBef>
-                <a:spcPts val="0"/>
-              </a:spcBef>
-              <a:spcAft>
-                <a:spcPts val="0"/>
-              </a:spcAft>
-              <a:buClr>
-                <a:srgbClr val="434343"/>
-              </a:buClr>
-              <a:buSzPts val="2400"/>
-            </a:pPr>
-            <a:endParaRPr lang="en-US" b="0" i="0" u="none" strike="noStrike" cap="none" dirty="0">
-              <a:solidFill>
-                <a:srgbClr val="434343"/>
-              </a:solidFill>
-              <a:latin typeface="Proxima Nova"/>
-              <a:ea typeface="Proxima Nova"/>
-              <a:cs typeface="Proxima Nova"/>
-              <a:sym typeface="Proxima Nova"/>
-            </a:endParaRPr>
-          </a:p>
-          <a:p>
-            <a:pPr marL="76200" marR="0" lvl="0" indent="0" algn="l" rtl="0">
-              <a:lnSpc>
-                <a:spcPct val="115000"/>
-              </a:lnSpc>
-              <a:spcBef>
-                <a:spcPts val="0"/>
-              </a:spcBef>
-              <a:spcAft>
-                <a:spcPts val="0"/>
-              </a:spcAft>
-              <a:buClr>
-                <a:srgbClr val="434343"/>
-              </a:buClr>
-              <a:buSzPts val="2400"/>
-            </a:pPr>
-            <a:endParaRPr lang="en-US" dirty="0">
-              <a:solidFill>
-                <a:srgbClr val="434343"/>
-              </a:solidFill>
-              <a:latin typeface="Proxima Nova"/>
-              <a:ea typeface="Proxima Nova"/>
-              <a:cs typeface="Proxima Nova"/>
-              <a:sym typeface="Proxima Nova"/>
-            </a:endParaRPr>
-          </a:p>
-          <a:p>
-            <a:pPr marL="76200" marR="0" lvl="0" indent="0" algn="l" rtl="0">
-              <a:lnSpc>
-                <a:spcPct val="115000"/>
-              </a:lnSpc>
-              <a:spcBef>
-                <a:spcPts val="0"/>
-              </a:spcBef>
-              <a:spcAft>
-                <a:spcPts val="0"/>
-              </a:spcAft>
-              <a:buClr>
-                <a:srgbClr val="434343"/>
-              </a:buClr>
-              <a:buSzPts val="2400"/>
-            </a:pPr>
-            <a:endParaRPr lang="en-US" dirty="0">
-              <a:solidFill>
-                <a:srgbClr val="434343"/>
-              </a:solidFill>
-              <a:latin typeface="Proxima Nova"/>
-              <a:ea typeface="Proxima Nova"/>
-              <a:cs typeface="Proxima Nova"/>
-              <a:sym typeface="Proxima Nova"/>
-            </a:endParaRPr>
-          </a:p>
-          <a:p>
-            <a:pPr marL="76200" marR="0" lvl="0" indent="0" algn="l" rtl="0">
-              <a:lnSpc>
-                <a:spcPct val="115000"/>
-              </a:lnSpc>
-              <a:spcBef>
-                <a:spcPts val="0"/>
-              </a:spcBef>
-              <a:spcAft>
-                <a:spcPts val="0"/>
-              </a:spcAft>
-              <a:buClr>
-                <a:srgbClr val="434343"/>
-              </a:buClr>
-              <a:buSzPts val="2400"/>
-            </a:pPr>
-            <a:endParaRPr lang="en-US" dirty="0">
-              <a:solidFill>
-                <a:srgbClr val="434343"/>
-              </a:solidFill>
-              <a:latin typeface="Proxima Nova"/>
-              <a:ea typeface="Proxima Nova"/>
-              <a:cs typeface="Proxima Nova"/>
-              <a:sym typeface="Proxima Nova"/>
-            </a:endParaRPr>
-          </a:p>
-          <a:p>
-            <a:pPr marL="76200" marR="0" lvl="0" indent="0" algn="l" rtl="0">
-              <a:lnSpc>
-                <a:spcPct val="115000"/>
-              </a:lnSpc>
-              <a:spcBef>
-                <a:spcPts val="0"/>
-              </a:spcBef>
-              <a:spcAft>
-                <a:spcPts val="0"/>
-              </a:spcAft>
-              <a:buClr>
-                <a:srgbClr val="434343"/>
-              </a:buClr>
-              <a:buSzPts val="2400"/>
-            </a:pPr>
-            <a:r>
-              <a:rPr lang="en-US" b="1" dirty="0">
-                <a:solidFill>
-                  <a:srgbClr val="434343"/>
-                </a:solidFill>
-                <a:latin typeface="Proxima Nova"/>
-                <a:ea typeface="Proxima Nova"/>
-                <a:cs typeface="Proxima Nova"/>
-                <a:sym typeface="Proxima Nova"/>
-              </a:rPr>
-              <a:t>2. Perfectionism</a:t>
-            </a:r>
-            <a:endParaRPr lang="en-US" b="1" i="0" u="none" strike="noStrike" cap="none" dirty="0">
-              <a:solidFill>
-                <a:srgbClr val="434343"/>
-              </a:solidFill>
-              <a:latin typeface="Proxima Nova"/>
-              <a:ea typeface="Proxima Nova"/>
-              <a:cs typeface="Proxima Nova"/>
-              <a:sym typeface="Proxima Nova"/>
-            </a:endParaRPr>
-          </a:p>
-        </p:txBody>
-      </p:sp>
-      <p:pic>
-        <p:nvPicPr>
-          <p:cNvPr id="90" name="Google Shape;90;p16" descr="metis-mini.png"/>
-          <p:cNvPicPr preferRelativeResize="0"/>
-          <p:nvPr/>
-        </p:nvPicPr>
-        <p:blipFill rotWithShape="1">
-          <a:blip r:embed="rId3">
-            <a:alphaModFix amt="25000"/>
-          </a:blip>
-          <a:srcRect/>
-          <a:stretch/>
-        </p:blipFill>
-        <p:spPr>
-          <a:xfrm>
-            <a:off x="8512774" y="290199"/>
-            <a:ext cx="326424" cy="384999"/>
-          </a:xfrm>
-          <a:prstGeom prst="rect">
-            <a:avLst/>
-          </a:prstGeom>
-          <a:noFill/>
-          <a:ln>
-            <a:noFill/>
-          </a:ln>
-        </p:spPr>
-      </p:pic>
-    </p:spTree>
-    <p:extLst>
-      <p:ext uri="{BB962C8B-B14F-4D97-AF65-F5344CB8AC3E}">
-        <p14:creationId xmlns:p14="http://schemas.microsoft.com/office/powerpoint/2010/main" val="2010341066"/>
-      </p:ext>
-    </p:extLst>
-  </p:cSld>
-  <p:clrMapOvr>
-    <a:masterClrMapping/>
-  </p:clrMapOvr>
-</p:sld>
-</file>
-
 <file path=ppt/slides/slide18.xml><?xml version="1.0" encoding="utf-8"?>
 <p:sld xmlns:a="http://schemas.openxmlformats.org/drawingml/2006/main" xmlns:r="http://schemas.openxmlformats.org/officeDocument/2006/relationships" xmlns:p="http://schemas.openxmlformats.org/presentationml/2006/main">
   <p:cSld>
@@ -17340,7 +16735,7 @@
                 <a:latin typeface="Proxima Nova"/>
                 <a:sym typeface="Proxima Nova"/>
               </a:rPr>
-              <a:t>Culture: Perfectionism</a:t>
+              <a:t>Culture: Imposter Syndrome</a:t>
             </a:r>
             <a:endParaRPr dirty="0"/>
           </a:p>
@@ -17700,117 +17095,7 @@
               </a:rPr>
               <a:t>2. Perfectionism</a:t>
             </a:r>
-          </a:p>
-          <a:p>
-            <a:pPr marL="76200" marR="0" lvl="0" indent="0" algn="l" rtl="0">
-              <a:lnSpc>
-                <a:spcPct val="115000"/>
-              </a:lnSpc>
-              <a:spcBef>
-                <a:spcPts val="0"/>
-              </a:spcBef>
-              <a:spcAft>
-                <a:spcPts val="0"/>
-              </a:spcAft>
-              <a:buClr>
-                <a:srgbClr val="434343"/>
-              </a:buClr>
-              <a:buSzPts val="2400"/>
-            </a:pPr>
             <a:endParaRPr lang="en-US" b="1" i="0" u="none" strike="noStrike" cap="none" dirty="0">
-              <a:solidFill>
-                <a:srgbClr val="434343"/>
-              </a:solidFill>
-              <a:latin typeface="Proxima Nova"/>
-              <a:ea typeface="Proxima Nova"/>
-              <a:cs typeface="Proxima Nova"/>
-              <a:sym typeface="Proxima Nova"/>
-            </a:endParaRPr>
-          </a:p>
-          <a:p>
-            <a:pPr marL="76200" marR="0" lvl="0" indent="0" algn="l" rtl="0">
-              <a:lnSpc>
-                <a:spcPct val="115000"/>
-              </a:lnSpc>
-              <a:spcBef>
-                <a:spcPts val="0"/>
-              </a:spcBef>
-              <a:spcAft>
-                <a:spcPts val="0"/>
-              </a:spcAft>
-              <a:buClr>
-                <a:srgbClr val="434343"/>
-              </a:buClr>
-              <a:buSzPts val="2400"/>
-            </a:pPr>
-            <a:r>
-              <a:rPr lang="en-US" dirty="0">
-                <a:solidFill>
-                  <a:srgbClr val="434343"/>
-                </a:solidFill>
-                <a:latin typeface="Proxima Nova"/>
-                <a:ea typeface="Proxima Nova"/>
-                <a:cs typeface="Proxima Nova"/>
-                <a:sym typeface="Proxima Nova"/>
-              </a:rPr>
-              <a:t>    Unfairly short deadlines</a:t>
-            </a:r>
-          </a:p>
-          <a:p>
-            <a:pPr marL="76200" marR="0" lvl="0" indent="0" algn="l" rtl="0">
-              <a:lnSpc>
-                <a:spcPct val="115000"/>
-              </a:lnSpc>
-              <a:spcBef>
-                <a:spcPts val="0"/>
-              </a:spcBef>
-              <a:spcAft>
-                <a:spcPts val="0"/>
-              </a:spcAft>
-              <a:buClr>
-                <a:srgbClr val="434343"/>
-              </a:buClr>
-              <a:buSzPts val="2400"/>
-            </a:pPr>
-            <a:endParaRPr lang="en-US" i="0" u="none" strike="noStrike" cap="none" dirty="0">
-              <a:solidFill>
-                <a:srgbClr val="434343"/>
-              </a:solidFill>
-              <a:latin typeface="Proxima Nova"/>
-              <a:ea typeface="Proxima Nova"/>
-              <a:cs typeface="Proxima Nova"/>
-              <a:sym typeface="Proxima Nova"/>
-            </a:endParaRPr>
-          </a:p>
-          <a:p>
-            <a:pPr marL="76200" marR="0" lvl="0" indent="0" algn="l" rtl="0">
-              <a:lnSpc>
-                <a:spcPct val="115000"/>
-              </a:lnSpc>
-              <a:spcBef>
-                <a:spcPts val="0"/>
-              </a:spcBef>
-              <a:spcAft>
-                <a:spcPts val="0"/>
-              </a:spcAft>
-              <a:buClr>
-                <a:srgbClr val="434343"/>
-              </a:buClr>
-              <a:buSzPts val="2400"/>
-            </a:pPr>
-            <a:r>
-              <a:rPr lang="en-US" dirty="0">
-                <a:solidFill>
-                  <a:srgbClr val="434343"/>
-                </a:solidFill>
-                <a:latin typeface="Proxima Nova"/>
-                <a:ea typeface="Proxima Nova"/>
-                <a:cs typeface="Proxima Nova"/>
-                <a:sym typeface="Proxima Nova"/>
-              </a:rPr>
-              <a:t>    Jumping into the unfamiliar</a:t>
-            </a:r>
-            <a:endParaRPr lang="en-US" i="0" u="none" strike="noStrike" cap="none" dirty="0">
               <a:solidFill>
                 <a:srgbClr val="434343"/>
               </a:solidFill>
@@ -17852,7 +17137,7 @@
     </p:spTree>
     <p:extLst>
       <p:ext uri="{BB962C8B-B14F-4D97-AF65-F5344CB8AC3E}">
-        <p14:creationId xmlns:p14="http://schemas.microsoft.com/office/powerpoint/2010/main" val="1552770119"/>
+        <p14:creationId xmlns:p14="http://schemas.microsoft.com/office/powerpoint/2010/main" val="2010341066"/>
       </p:ext>
     </p:extLst>
   </p:cSld>
@@ -17956,7 +17241,7 @@
         <p:spPr>
           <a:xfrm>
             <a:off x="311700" y="196350"/>
-            <a:ext cx="8025476" cy="572700"/>
+            <a:ext cx="6606600" cy="572700"/>
           </a:xfrm>
           <a:prstGeom prst="rect">
             <a:avLst/>
@@ -17997,7 +17282,7 @@
                 <a:latin typeface="Proxima Nova"/>
                 <a:sym typeface="Proxima Nova"/>
               </a:rPr>
-              <a:t>Community: Becoming a Data Professional</a:t>
+              <a:t>Culture: Perfectionism</a:t>
             </a:r>
             <a:endParaRPr dirty="0"/>
           </a:p>
@@ -18027,7 +17312,7 @@
           </a:ln>
         </p:spPr>
         <p:txBody>
-          <a:bodyPr spcFirstLastPara="1" wrap="square" lIns="91425" tIns="91425" rIns="91425" bIns="91425" numCol="1" anchor="t" anchorCtr="0">
+          <a:bodyPr spcFirstLastPara="1" wrap="square" lIns="91425" tIns="91425" rIns="91425" bIns="91425" numCol="2" anchor="t" anchorCtr="0">
             <a:noAutofit/>
           </a:bodyPr>
           <a:lstStyle/>
@@ -18057,7 +17342,7 @@
                 <a:cs typeface="Proxima Nova"/>
                 <a:sym typeface="Proxima Nova"/>
               </a:rPr>
-              <a:t>Mixture of individual and collaborative work</a:t>
+              <a:t>You must overcome two things:</a:t>
             </a:r>
           </a:p>
           <a:p>
@@ -18103,7 +17388,7 @@
               <a:buSzPts val="2400"/>
             </a:pPr>
             <a:r>
-              <a:rPr lang="en-US" b="1" i="0" u="none" strike="noStrike" cap="none" dirty="0">
+              <a:rPr lang="en-US" b="1" dirty="0">
                 <a:solidFill>
                   <a:srgbClr val="434343"/>
                 </a:solidFill>
@@ -18112,9 +17397,26 @@
                 <a:cs typeface="Proxima Nova"/>
                 <a:sym typeface="Proxima Nova"/>
               </a:rPr>
-              <a:t>Instructors, Program Manager </a:t>
+              <a:t>1. Imposter Syndrome</a:t>
             </a:r>
-            <a:endParaRPr lang="en-US" b="1" dirty="0">
+          </a:p>
+          <a:p>
+            <a:pPr marL="76200" marR="0" lvl="0" indent="0" algn="l" rtl="0">
+              <a:lnSpc>
+                <a:spcPct val="115000"/>
+              </a:lnSpc>
+              <a:spcBef>
+                <a:spcPts val="0"/>
+              </a:spcBef>
+              <a:spcAft>
+                <a:spcPts val="0"/>
+              </a:spcAft>
+              <a:buClr>
+                <a:srgbClr val="434343"/>
+              </a:buClr>
+              <a:buSzPts val="2400"/>
+            </a:pPr>
+            <a:endParaRPr lang="en-US" dirty="0">
               <a:solidFill>
                 <a:srgbClr val="434343"/>
               </a:solidFill>
@@ -18123,6 +17425,223 @@
               <a:cs typeface="Proxima Nova"/>
               <a:sym typeface="Proxima Nova"/>
             </a:endParaRPr>
+          </a:p>
+          <a:p>
+            <a:pPr marL="76200" marR="0" lvl="0" indent="0" algn="l" rtl="0">
+              <a:lnSpc>
+                <a:spcPct val="115000"/>
+              </a:lnSpc>
+              <a:spcBef>
+                <a:spcPts val="0"/>
+              </a:spcBef>
+              <a:spcAft>
+                <a:spcPts val="0"/>
+              </a:spcAft>
+              <a:buClr>
+                <a:srgbClr val="434343"/>
+              </a:buClr>
+              <a:buSzPts val="2400"/>
+            </a:pPr>
+            <a:r>
+              <a:rPr lang="en-US" dirty="0">
+                <a:solidFill>
+                  <a:srgbClr val="434343"/>
+                </a:solidFill>
+                <a:latin typeface="Proxima Nova"/>
+                <a:ea typeface="Proxima Nova"/>
+                <a:cs typeface="Proxima Nova"/>
+                <a:sym typeface="Proxima Nova"/>
+              </a:rPr>
+              <a:t>    Collaboration</a:t>
+            </a:r>
+          </a:p>
+          <a:p>
+            <a:pPr marL="76200" marR="0" lvl="0" indent="0" algn="l" rtl="0">
+              <a:lnSpc>
+                <a:spcPct val="115000"/>
+              </a:lnSpc>
+              <a:spcBef>
+                <a:spcPts val="0"/>
+              </a:spcBef>
+              <a:spcAft>
+                <a:spcPts val="0"/>
+              </a:spcAft>
+              <a:buClr>
+                <a:srgbClr val="434343"/>
+              </a:buClr>
+              <a:buSzPts val="2400"/>
+            </a:pPr>
+            <a:endParaRPr lang="en-US" dirty="0">
+              <a:solidFill>
+                <a:srgbClr val="434343"/>
+              </a:solidFill>
+              <a:latin typeface="Proxima Nova"/>
+              <a:ea typeface="Proxima Nova"/>
+              <a:cs typeface="Proxima Nova"/>
+              <a:sym typeface="Proxima Nova"/>
+            </a:endParaRPr>
+          </a:p>
+          <a:p>
+            <a:pPr marL="76200" marR="0" lvl="0" indent="0" algn="l" rtl="0">
+              <a:lnSpc>
+                <a:spcPct val="115000"/>
+              </a:lnSpc>
+              <a:spcBef>
+                <a:spcPts val="0"/>
+              </a:spcBef>
+              <a:spcAft>
+                <a:spcPts val="0"/>
+              </a:spcAft>
+              <a:buClr>
+                <a:srgbClr val="434343"/>
+              </a:buClr>
+              <a:buSzPts val="2400"/>
+            </a:pPr>
+            <a:r>
+              <a:rPr lang="en-US" dirty="0">
+                <a:solidFill>
+                  <a:srgbClr val="434343"/>
+                </a:solidFill>
+                <a:latin typeface="Proxima Nova"/>
+                <a:ea typeface="Proxima Nova"/>
+                <a:cs typeface="Proxima Nova"/>
+                <a:sym typeface="Proxima Nova"/>
+              </a:rPr>
+              <a:t>    Communication</a:t>
+            </a:r>
+          </a:p>
+          <a:p>
+            <a:pPr marL="76200" marR="0" lvl="0" indent="0" algn="l" rtl="0">
+              <a:lnSpc>
+                <a:spcPct val="115000"/>
+              </a:lnSpc>
+              <a:spcBef>
+                <a:spcPts val="0"/>
+              </a:spcBef>
+              <a:spcAft>
+                <a:spcPts val="0"/>
+              </a:spcAft>
+              <a:buClr>
+                <a:srgbClr val="434343"/>
+              </a:buClr>
+              <a:buSzPts val="2400"/>
+            </a:pPr>
+            <a:endParaRPr lang="en-US" b="0" i="0" u="none" strike="noStrike" cap="none" dirty="0">
+              <a:solidFill>
+                <a:srgbClr val="434343"/>
+              </a:solidFill>
+              <a:latin typeface="Proxima Nova"/>
+              <a:ea typeface="Proxima Nova"/>
+              <a:cs typeface="Proxima Nova"/>
+              <a:sym typeface="Proxima Nova"/>
+            </a:endParaRPr>
+          </a:p>
+          <a:p>
+            <a:pPr marL="76200" marR="0" lvl="0" indent="0" algn="l" rtl="0">
+              <a:lnSpc>
+                <a:spcPct val="115000"/>
+              </a:lnSpc>
+              <a:spcBef>
+                <a:spcPts val="0"/>
+              </a:spcBef>
+              <a:spcAft>
+                <a:spcPts val="0"/>
+              </a:spcAft>
+              <a:buClr>
+                <a:srgbClr val="434343"/>
+              </a:buClr>
+              <a:buSzPts val="2400"/>
+            </a:pPr>
+            <a:endParaRPr lang="en-US" dirty="0">
+              <a:solidFill>
+                <a:srgbClr val="434343"/>
+              </a:solidFill>
+              <a:latin typeface="Proxima Nova"/>
+              <a:ea typeface="Proxima Nova"/>
+              <a:cs typeface="Proxima Nova"/>
+              <a:sym typeface="Proxima Nova"/>
+            </a:endParaRPr>
+          </a:p>
+          <a:p>
+            <a:pPr marL="76200" marR="0" lvl="0" indent="0" algn="l" rtl="0">
+              <a:lnSpc>
+                <a:spcPct val="115000"/>
+              </a:lnSpc>
+              <a:spcBef>
+                <a:spcPts val="0"/>
+              </a:spcBef>
+              <a:spcAft>
+                <a:spcPts val="0"/>
+              </a:spcAft>
+              <a:buClr>
+                <a:srgbClr val="434343"/>
+              </a:buClr>
+              <a:buSzPts val="2400"/>
+            </a:pPr>
+            <a:endParaRPr lang="en-US" dirty="0">
+              <a:solidFill>
+                <a:srgbClr val="434343"/>
+              </a:solidFill>
+              <a:latin typeface="Proxima Nova"/>
+              <a:ea typeface="Proxima Nova"/>
+              <a:cs typeface="Proxima Nova"/>
+              <a:sym typeface="Proxima Nova"/>
+            </a:endParaRPr>
+          </a:p>
+          <a:p>
+            <a:pPr marL="76200" marR="0" lvl="0" indent="0" algn="l" rtl="0">
+              <a:lnSpc>
+                <a:spcPct val="115000"/>
+              </a:lnSpc>
+              <a:spcBef>
+                <a:spcPts val="0"/>
+              </a:spcBef>
+              <a:spcAft>
+                <a:spcPts val="0"/>
+              </a:spcAft>
+              <a:buClr>
+                <a:srgbClr val="434343"/>
+              </a:buClr>
+              <a:buSzPts val="2400"/>
+            </a:pPr>
+            <a:endParaRPr lang="en-US" dirty="0">
+              <a:solidFill>
+                <a:srgbClr val="434343"/>
+              </a:solidFill>
+              <a:latin typeface="Proxima Nova"/>
+              <a:ea typeface="Proxima Nova"/>
+              <a:cs typeface="Proxima Nova"/>
+              <a:sym typeface="Proxima Nova"/>
+            </a:endParaRPr>
+          </a:p>
+          <a:p>
+            <a:pPr marL="76200" marR="0" lvl="0" indent="0" algn="l" rtl="0">
+              <a:lnSpc>
+                <a:spcPct val="115000"/>
+              </a:lnSpc>
+              <a:spcBef>
+                <a:spcPts val="0"/>
+              </a:spcBef>
+              <a:spcAft>
+                <a:spcPts val="0"/>
+              </a:spcAft>
+              <a:buClr>
+                <a:srgbClr val="434343"/>
+              </a:buClr>
+              <a:buSzPts val="2400"/>
+            </a:pPr>
+            <a:r>
+              <a:rPr lang="en-US" b="1" dirty="0">
+                <a:solidFill>
+                  <a:srgbClr val="434343"/>
+                </a:solidFill>
+                <a:latin typeface="Proxima Nova"/>
+                <a:ea typeface="Proxima Nova"/>
+                <a:cs typeface="Proxima Nova"/>
+                <a:sym typeface="Proxima Nova"/>
+              </a:rPr>
+              <a:t>2. Perfectionism</a:t>
+            </a:r>
           </a:p>
           <a:p>
             <a:pPr marL="76200" marR="0" lvl="0" indent="0" algn="l" rtl="0">
@@ -18167,7 +17686,7 @@
               <a:buSzPts val="2400"/>
             </a:pPr>
             <a:r>
-              <a:rPr lang="en-US" b="1" i="0" u="none" strike="noStrike" cap="none" dirty="0">
+              <a:rPr lang="en-US" dirty="0">
                 <a:solidFill>
                   <a:srgbClr val="434343"/>
                 </a:solidFill>
@@ -18176,55 +17695,7 @@
                 <a:cs typeface="Proxima Nova"/>
                 <a:sym typeface="Proxima Nova"/>
               </a:rPr>
-              <a:t>Career Advisor </a:t>
-            </a:r>
-            <a:r>
-              <a:rPr lang="en-US" b="1" dirty="0">
-                <a:solidFill>
-                  <a:srgbClr val="434343"/>
-                </a:solidFill>
-                <a:latin typeface="Proxima Nova"/>
-                <a:ea typeface="Proxima Nova"/>
-                <a:cs typeface="Proxima Nova"/>
-                <a:sym typeface="Proxima Nova"/>
-              </a:rPr>
-              <a:t>s</a:t>
-            </a:r>
-            <a:r>
-              <a:rPr lang="en-US" b="1" i="0" u="none" strike="noStrike" cap="none" dirty="0">
-                <a:solidFill>
-                  <a:srgbClr val="434343"/>
-                </a:solidFill>
-                <a:latin typeface="Proxima Nova"/>
-                <a:ea typeface="Proxima Nova"/>
-                <a:cs typeface="Proxima Nova"/>
-                <a:sym typeface="Proxima Nova"/>
-              </a:rPr>
-              <a:t>upport and hiring partners (for those doing a </a:t>
-            </a:r>
-            <a:r>
-              <a:rPr lang="en-US" b="1" dirty="0">
-                <a:solidFill>
-                  <a:srgbClr val="434343"/>
-                </a:solidFill>
-                <a:latin typeface="Proxima Nova"/>
-                <a:ea typeface="Proxima Nova"/>
-                <a:cs typeface="Proxima Nova"/>
-                <a:sym typeface="Proxima Nova"/>
-              </a:rPr>
-              <a:t>B</a:t>
-            </a:r>
-            <a:r>
-              <a:rPr lang="en-US" b="1" i="0" u="none" strike="noStrike" cap="none" dirty="0">
-                <a:solidFill>
-                  <a:srgbClr val="434343"/>
-                </a:solidFill>
-                <a:latin typeface="Proxima Nova"/>
-                <a:ea typeface="Proxima Nova"/>
-                <a:cs typeface="Proxima Nova"/>
-                <a:sym typeface="Proxima Nova"/>
-              </a:rPr>
-              <a:t>ootcamp track)</a:t>
+              <a:t>    Unfairly short deadlines</a:t>
             </a:r>
           </a:p>
           <a:p>
@@ -18243,7 +17714,7 @@
               </a:buClr>
               <a:buSzPts val="2400"/>
             </a:pPr>
-            <a:endParaRPr lang="en-US" b="1" dirty="0">
+            <a:endParaRPr lang="en-US" i="0" u="none" strike="noStrike" cap="none" dirty="0">
               <a:solidFill>
                 <a:srgbClr val="434343"/>
               </a:solidFill>
@@ -18270,7 +17741,7 @@
               <a:buSzPts val="2400"/>
             </a:pPr>
             <a:r>
-              <a:rPr lang="en-US" b="1" dirty="0">
+              <a:rPr lang="en-US" dirty="0">
                 <a:solidFill>
                   <a:srgbClr val="434343"/>
                 </a:solidFill>
@@ -18279,8 +17750,17 @@
                 <a:cs typeface="Proxima Nova"/>
                 <a:sym typeface="Proxima Nova"/>
               </a:rPr>
-              <a:t>Metis alumni network</a:t>
+              <a:t>    Jumping into the unfamiliar</a:t>
             </a:r>
+            <a:endParaRPr lang="en-US" i="0" u="none" strike="noStrike" cap="none" dirty="0">
+              <a:solidFill>
+                <a:srgbClr val="434343"/>
+              </a:solidFill>
+              <a:latin typeface="Proxima Nova"/>
+              <a:ea typeface="Proxima Nova"/>
+              <a:cs typeface="Proxima Nova"/>
+              <a:sym typeface="Proxima Nova"/>
+            </a:endParaRPr>
           </a:p>
         </p:txBody>
       </p:sp>
@@ -18314,242 +17794,13 @@
     </p:spTree>
     <p:extLst>
       <p:ext uri="{BB962C8B-B14F-4D97-AF65-F5344CB8AC3E}">
-        <p14:creationId xmlns:p14="http://schemas.microsoft.com/office/powerpoint/2010/main" val="2340946521"/>
+        <p14:creationId xmlns:p14="http://schemas.microsoft.com/office/powerpoint/2010/main" val="1552770119"/>
       </p:ext>
     </p:extLst>
   </p:cSld>
   <p:clrMapOvr>
     <a:masterClrMapping/>
   </p:clrMapOvr>
-  <p:timing>
-    <p:tnLst>
-      <p:par>
-        <p:cTn id="1" dur="indefinite" restart="never" nodeType="tmRoot">
-          <p:childTnLst>
-            <p:seq concurrent="1" nextAc="seek">
-              <p:cTn id="2" dur="indefinite" nodeType="mainSeq">
-                <p:childTnLst>
-                  <p:par>
-                    <p:cTn id="3" fill="hold">
-                      <p:stCondLst>
-                        <p:cond delay="indefinite"/>
-                      </p:stCondLst>
-                      <p:childTnLst>
-                        <p:par>
-                          <p:cTn id="4" fill="hold">
-                            <p:stCondLst>
-                              <p:cond delay="0"/>
-                            </p:stCondLst>
-                            <p:childTnLst>
-                              <p:par>
-                                <p:cTn id="5" presetID="1" presetClass="entr" presetSubtype="0" fill="hold" grpId="0" nodeType="clickEffect">
-                                  <p:stCondLst>
-                                    <p:cond delay="0"/>
-                                  </p:stCondLst>
-                                  <p:childTnLst>
-                                    <p:set>
-                                      <p:cBhvr>
-                                        <p:cTn id="6" dur="1" fill="hold">
-                                          <p:stCondLst>
-                                            <p:cond delay="0"/>
-                                          </p:stCondLst>
-                                        </p:cTn>
-                                        <p:tgtEl>
-                                          <p:spTgt spid="89">
-                                            <p:txEl>
-                                              <p:pRg st="0" end="0"/>
-                                            </p:txEl>
-                                          </p:spTgt>
-                                        </p:tgtEl>
-                                        <p:attrNameLst>
-                                          <p:attrName>style.visibility</p:attrName>
-                                        </p:attrNameLst>
-                                      </p:cBhvr>
-                                      <p:to>
-                                        <p:strVal val="visible"/>
-                                      </p:to>
-                                    </p:set>
-                                  </p:childTnLst>
-                                </p:cTn>
-                              </p:par>
-                            </p:childTnLst>
-                          </p:cTn>
-                        </p:par>
-                      </p:childTnLst>
-                    </p:cTn>
-                  </p:par>
-                  <p:par>
-                    <p:cTn id="7" fill="hold">
-                      <p:stCondLst>
-                        <p:cond delay="indefinite"/>
-                      </p:stCondLst>
-                      <p:childTnLst>
-                        <p:par>
-                          <p:cTn id="8" fill="hold">
-                            <p:stCondLst>
-                              <p:cond delay="0"/>
-                            </p:stCondLst>
-                            <p:childTnLst>
-                              <p:par>
-                                <p:cTn id="9" presetID="1" presetClass="entr" presetSubtype="0" fill="hold" grpId="0" nodeType="clickEffect">
-                                  <p:stCondLst>
-                                    <p:cond delay="0"/>
-                                  </p:stCondLst>
-                                  <p:childTnLst>
-                                    <p:set>
-                                      <p:cBhvr>
-                                        <p:cTn id="10" dur="1" fill="hold">
-                                          <p:stCondLst>
-                                            <p:cond delay="0"/>
-                                          </p:stCondLst>
-                                        </p:cTn>
-                                        <p:tgtEl>
-                                          <p:spTgt spid="89">
-                                            <p:txEl>
-                                              <p:pRg st="2" end="2"/>
-                                            </p:txEl>
-                                          </p:spTgt>
-                                        </p:tgtEl>
-                                        <p:attrNameLst>
-                                          <p:attrName>style.visibility</p:attrName>
-                                        </p:attrNameLst>
-                                      </p:cBhvr>
-                                      <p:to>
-                                        <p:strVal val="visible"/>
-                                      </p:to>
-                                    </p:set>
-                                  </p:childTnLst>
-                                </p:cTn>
-                              </p:par>
-                            </p:childTnLst>
-                          </p:cTn>
-                        </p:par>
-                      </p:childTnLst>
-                    </p:cTn>
-                  </p:par>
-                  <p:par>
-                    <p:cTn id="11" fill="hold">
-                      <p:stCondLst>
-                        <p:cond delay="indefinite"/>
-                      </p:stCondLst>
-                      <p:childTnLst>
-                        <p:par>
-                          <p:cTn id="12" fill="hold">
-                            <p:stCondLst>
-                              <p:cond delay="0"/>
-                            </p:stCondLst>
-                            <p:childTnLst>
-                              <p:par>
-                                <p:cTn id="13" presetID="1" presetClass="entr" presetSubtype="0" fill="hold" grpId="0" nodeType="clickEffect">
-                                  <p:stCondLst>
-                                    <p:cond delay="0"/>
-                                  </p:stCondLst>
-                                  <p:childTnLst>
-                                    <p:set>
-                                      <p:cBhvr>
-                                        <p:cTn id="14" dur="1" fill="hold">
-                                          <p:stCondLst>
-                                            <p:cond delay="0"/>
-                                          </p:stCondLst>
-                                        </p:cTn>
-                                        <p:tgtEl>
-                                          <p:spTgt spid="89">
-                                            <p:txEl>
-                                              <p:pRg st="4" end="4"/>
-                                            </p:txEl>
-                                          </p:spTgt>
-                                        </p:tgtEl>
-                                        <p:attrNameLst>
-                                          <p:attrName>style.visibility</p:attrName>
-                                        </p:attrNameLst>
-                                      </p:cBhvr>
-                                      <p:to>
-                                        <p:strVal val="visible"/>
-                                      </p:to>
-                                    </p:set>
-                                  </p:childTnLst>
-                                </p:cTn>
-                              </p:par>
-                            </p:childTnLst>
-                          </p:cTn>
-                        </p:par>
-                      </p:childTnLst>
-                    </p:cTn>
-                  </p:par>
-                  <p:par>
-                    <p:cTn id="15" fill="hold">
-                      <p:stCondLst>
-                        <p:cond delay="indefinite"/>
-                      </p:stCondLst>
-                      <p:childTnLst>
-                        <p:par>
-                          <p:cTn id="16" fill="hold">
-                            <p:stCondLst>
-                              <p:cond delay="0"/>
-                            </p:stCondLst>
-                            <p:childTnLst>
-                              <p:par>
-                                <p:cTn id="17" presetID="1" presetClass="entr" presetSubtype="0" fill="hold" grpId="0" nodeType="clickEffect">
-                                  <p:stCondLst>
-                                    <p:cond delay="0"/>
-                                  </p:stCondLst>
-                                  <p:childTnLst>
-                                    <p:set>
-                                      <p:cBhvr>
-                                        <p:cTn id="18" dur="1" fill="hold">
-                                          <p:stCondLst>
-                                            <p:cond delay="0"/>
-                                          </p:stCondLst>
-                                        </p:cTn>
-                                        <p:tgtEl>
-                                          <p:spTgt spid="89">
-                                            <p:txEl>
-                                              <p:pRg st="6" end="6"/>
-                                            </p:txEl>
-                                          </p:spTgt>
-                                        </p:tgtEl>
-                                        <p:attrNameLst>
-                                          <p:attrName>style.visibility</p:attrName>
-                                        </p:attrNameLst>
-                                      </p:cBhvr>
-                                      <p:to>
-                                        <p:strVal val="visible"/>
-                                      </p:to>
-                                    </p:set>
-                                  </p:childTnLst>
-                                </p:cTn>
-                              </p:par>
-                            </p:childTnLst>
-                          </p:cTn>
-                        </p:par>
-                      </p:childTnLst>
-                    </p:cTn>
-                  </p:par>
-                </p:childTnLst>
-              </p:cTn>
-              <p:prevCondLst>
-                <p:cond evt="onPrev" delay="0">
-                  <p:tgtEl>
-                    <p:sldTgt/>
-                  </p:tgtEl>
-                </p:cond>
-              </p:prevCondLst>
-              <p:nextCondLst>
-                <p:cond evt="onNext" delay="0">
-                  <p:tgtEl>
-                    <p:sldTgt/>
-                  </p:tgtEl>
-                </p:cond>
-              </p:nextCondLst>
-            </p:seq>
-          </p:childTnLst>
-        </p:cTn>
-      </p:par>
-    </p:tnLst>
-    <p:bldLst>
-      <p:bldP spid="89" grpId="0" build="p"/>
-    </p:bldLst>
-  </p:timing>
 </p:sld>
 </file>
 
@@ -18760,6 +18011,468 @@
 </file>
 
 <file path=ppt/slides/slide20.xml><?xml version="1.0" encoding="utf-8"?>
+<p:sld xmlns:a="http://schemas.openxmlformats.org/drawingml/2006/main" xmlns:r="http://schemas.openxmlformats.org/officeDocument/2006/relationships" xmlns:p="http://schemas.openxmlformats.org/presentationml/2006/main">
+  <p:cSld>
+    <p:bg>
+      <p:bgPr>
+        <a:solidFill>
+          <a:srgbClr val="FFFFFF"/>
+        </a:solidFill>
+        <a:effectLst/>
+      </p:bgPr>
+    </p:bg>
+    <p:spTree>
+      <p:nvGrpSpPr>
+        <p:cNvPr id="1" name="Shape 86"/>
+        <p:cNvGrpSpPr/>
+        <p:nvPr/>
+      </p:nvGrpSpPr>
+      <p:grpSpPr>
+        <a:xfrm>
+          <a:off x="0" y="0"/>
+          <a:ext cx="0" cy="0"/>
+          <a:chOff x="0" y="0"/>
+          <a:chExt cx="0" cy="0"/>
+        </a:xfrm>
+      </p:grpSpPr>
+      <p:sp>
+        <p:nvSpPr>
+          <p:cNvPr id="87" name="Google Shape;87;p16"/>
+          <p:cNvSpPr/>
+          <p:nvPr/>
+        </p:nvSpPr>
+        <p:spPr>
+          <a:xfrm>
+            <a:off x="0" y="0"/>
+            <a:ext cx="9144000" cy="965400"/>
+          </a:xfrm>
+          <a:prstGeom prst="rect">
+            <a:avLst/>
+          </a:prstGeom>
+          <a:solidFill>
+            <a:srgbClr val="EF3969"/>
+          </a:solidFill>
+          <a:ln>
+            <a:noFill/>
+          </a:ln>
+        </p:spPr>
+        <p:txBody>
+          <a:bodyPr spcFirstLastPara="1" wrap="square" lIns="91425" tIns="91425" rIns="91425" bIns="91425" anchor="ctr" anchorCtr="0">
+            <a:noAutofit/>
+          </a:bodyPr>
+          <a:lstStyle/>
+          <a:p>
+            <a:pPr marL="0" marR="0" lvl="0" indent="0" algn="l" rtl="0">
+              <a:lnSpc>
+                <a:spcPct val="100000"/>
+              </a:lnSpc>
+              <a:spcBef>
+                <a:spcPts val="0"/>
+              </a:spcBef>
+              <a:spcAft>
+                <a:spcPts val="0"/>
+              </a:spcAft>
+              <a:buClr>
+                <a:srgbClr val="000000"/>
+              </a:buClr>
+              <a:buSzPts val="1400"/>
+              <a:buFont typeface="Arial"/>
+              <a:buNone/>
+            </a:pPr>
+            <a:endParaRPr sz="1400" b="0" i="0" u="none" strike="noStrike" cap="none">
+              <a:solidFill>
+                <a:srgbClr val="000000"/>
+              </a:solidFill>
+              <a:latin typeface="Arial"/>
+              <a:ea typeface="Arial"/>
+              <a:cs typeface="Arial"/>
+              <a:sym typeface="Arial"/>
+            </a:endParaRPr>
+          </a:p>
+        </p:txBody>
+      </p:sp>
+      <p:sp>
+        <p:nvSpPr>
+          <p:cNvPr id="88" name="Google Shape;88;p16"/>
+          <p:cNvSpPr txBox="1">
+            <a:spLocks noGrp="1"/>
+          </p:cNvSpPr>
+          <p:nvPr>
+            <p:ph type="title"/>
+          </p:nvPr>
+        </p:nvSpPr>
+        <p:spPr>
+          <a:xfrm>
+            <a:off x="311700" y="196350"/>
+            <a:ext cx="8025476" cy="572700"/>
+          </a:xfrm>
+          <a:prstGeom prst="rect">
+            <a:avLst/>
+          </a:prstGeom>
+          <a:noFill/>
+          <a:ln>
+            <a:noFill/>
+          </a:ln>
+        </p:spPr>
+        <p:txBody>
+          <a:bodyPr spcFirstLastPara="1" wrap="square" lIns="91425" tIns="91425" rIns="91425" bIns="91425" anchor="t" anchorCtr="0">
+            <a:noAutofit/>
+          </a:bodyPr>
+          <a:lstStyle/>
+          <a:p>
+            <a:pPr marL="0" marR="0" lvl="0" indent="0" algn="l" rtl="0">
+              <a:lnSpc>
+                <a:spcPct val="100000"/>
+              </a:lnSpc>
+              <a:spcBef>
+                <a:spcPts val="0"/>
+              </a:spcBef>
+              <a:spcAft>
+                <a:spcPts val="0"/>
+              </a:spcAft>
+              <a:buClr>
+                <a:schemeClr val="dk1"/>
+              </a:buClr>
+              <a:buSzPts val="2800"/>
+              <a:buFont typeface="Proxima Nova"/>
+              <a:buNone/>
+            </a:pPr>
+            <a:r>
+              <a:rPr lang="en-US" b="1" dirty="0">
+                <a:solidFill>
+                  <a:srgbClr val="FFFFFF"/>
+                </a:solidFill>
+                <a:latin typeface="Proxima Nova"/>
+                <a:sym typeface="Proxima Nova"/>
+              </a:rPr>
+              <a:t>Community: Becoming a Data Professional</a:t>
+            </a:r>
+            <a:endParaRPr dirty="0"/>
+          </a:p>
+        </p:txBody>
+      </p:sp>
+      <p:sp>
+        <p:nvSpPr>
+          <p:cNvPr id="89" name="Google Shape;89;p16"/>
+          <p:cNvSpPr txBox="1">
+            <a:spLocks noGrp="1"/>
+          </p:cNvSpPr>
+          <p:nvPr>
+            <p:ph type="body" idx="1"/>
+          </p:nvPr>
+        </p:nvSpPr>
+        <p:spPr>
+          <a:xfrm>
+            <a:off x="394800" y="1255600"/>
+            <a:ext cx="8520600" cy="3165794"/>
+          </a:xfrm>
+          <a:prstGeom prst="rect">
+            <a:avLst/>
+          </a:prstGeom>
+          <a:noFill/>
+          <a:ln>
+            <a:noFill/>
+          </a:ln>
+        </p:spPr>
+        <p:txBody>
+          <a:bodyPr spcFirstLastPara="1" wrap="square" lIns="91425" tIns="91425" rIns="91425" bIns="91425" numCol="1" anchor="t" anchorCtr="0">
+            <a:noAutofit/>
+          </a:bodyPr>
+          <a:lstStyle/>
+          <a:p>
+            <a:pPr marL="76200" marR="0" lvl="0" indent="0" algn="l" rtl="0">
+              <a:lnSpc>
+                <a:spcPct val="115000"/>
+              </a:lnSpc>
+              <a:spcBef>
+                <a:spcPts val="0"/>
+              </a:spcBef>
+              <a:spcAft>
+                <a:spcPts val="0"/>
+              </a:spcAft>
+              <a:buClr>
+                <a:srgbClr val="434343"/>
+              </a:buClr>
+              <a:buSzPts val="2400"/>
+            </a:pPr>
+            <a:r>
+              <a:rPr lang="en-US" b="1" dirty="0">
+                <a:solidFill>
+                  <a:srgbClr val="434343"/>
+                </a:solidFill>
+                <a:latin typeface="Proxima Nova"/>
+                <a:ea typeface="Proxima Nova"/>
+                <a:cs typeface="Proxima Nova"/>
+                <a:sym typeface="Proxima Nova"/>
+              </a:rPr>
+              <a:t>Mixture of individual and collaborative work</a:t>
+            </a:r>
+          </a:p>
+          <a:p>
+            <a:pPr marL="76200" marR="0" lvl="0" indent="0" algn="l" rtl="0">
+              <a:lnSpc>
+                <a:spcPct val="115000"/>
+              </a:lnSpc>
+              <a:spcBef>
+                <a:spcPts val="0"/>
+              </a:spcBef>
+              <a:spcAft>
+                <a:spcPts val="0"/>
+              </a:spcAft>
+              <a:buClr>
+                <a:srgbClr val="434343"/>
+              </a:buClr>
+              <a:buSzPts val="2400"/>
+            </a:pPr>
+            <a:endParaRPr lang="en-US" b="1" i="0" u="none" strike="noStrike" cap="none" dirty="0">
+              <a:solidFill>
+                <a:srgbClr val="434343"/>
+              </a:solidFill>
+              <a:latin typeface="Proxima Nova"/>
+              <a:ea typeface="Proxima Nova"/>
+              <a:cs typeface="Proxima Nova"/>
+              <a:sym typeface="Proxima Nova"/>
+            </a:endParaRPr>
+          </a:p>
+          <a:p>
+            <a:pPr marL="76200" marR="0" lvl="0" indent="0" algn="l" rtl="0">
+              <a:lnSpc>
+                <a:spcPct val="115000"/>
+              </a:lnSpc>
+              <a:spcBef>
+                <a:spcPts val="0"/>
+              </a:spcBef>
+              <a:spcAft>
+                <a:spcPts val="0"/>
+              </a:spcAft>
+              <a:buClr>
+                <a:srgbClr val="434343"/>
+              </a:buClr>
+              <a:buSzPts val="2400"/>
+            </a:pPr>
+            <a:r>
+              <a:rPr lang="en-US" b="1" i="0" u="none" strike="noStrike" cap="none" dirty="0">
+                <a:solidFill>
+                  <a:srgbClr val="434343"/>
+                </a:solidFill>
+                <a:latin typeface="Proxima Nova"/>
+                <a:ea typeface="Proxima Nova"/>
+                <a:cs typeface="Proxima Nova"/>
+                <a:sym typeface="Proxima Nova"/>
+              </a:rPr>
+              <a:t>Instructors, Program Manager </a:t>
+            </a:r>
+            <a:endParaRPr lang="en-US" b="1" dirty="0">
+              <a:solidFill>
+                <a:srgbClr val="434343"/>
+              </a:solidFill>
+              <a:latin typeface="Proxima Nova"/>
+              <a:ea typeface="Proxima Nova"/>
+              <a:cs typeface="Proxima Nova"/>
+              <a:sym typeface="Proxima Nova"/>
+            </a:endParaRPr>
+          </a:p>
+          <a:p>
+            <a:pPr marL="76200" marR="0" lvl="0" indent="0" algn="l" rtl="0">
+              <a:lnSpc>
+                <a:spcPct val="115000"/>
+              </a:lnSpc>
+              <a:spcBef>
+                <a:spcPts val="0"/>
+              </a:spcBef>
+              <a:spcAft>
+                <a:spcPts val="0"/>
+              </a:spcAft>
+              <a:buClr>
+                <a:srgbClr val="434343"/>
+              </a:buClr>
+              <a:buSzPts val="2400"/>
+            </a:pPr>
+            <a:endParaRPr lang="en-US" b="1" i="0" u="none" strike="noStrike" cap="none" dirty="0">
+              <a:solidFill>
+                <a:srgbClr val="434343"/>
+              </a:solidFill>
+              <a:latin typeface="Proxima Nova"/>
+              <a:ea typeface="Proxima Nova"/>
+              <a:cs typeface="Proxima Nova"/>
+              <a:sym typeface="Proxima Nova"/>
+            </a:endParaRPr>
+          </a:p>
+          <a:p>
+            <a:pPr marL="76200" marR="0" lvl="0" indent="0" algn="l" rtl="0">
+              <a:lnSpc>
+                <a:spcPct val="115000"/>
+              </a:lnSpc>
+              <a:spcBef>
+                <a:spcPts val="0"/>
+              </a:spcBef>
+              <a:spcAft>
+                <a:spcPts val="0"/>
+              </a:spcAft>
+              <a:buClr>
+                <a:srgbClr val="434343"/>
+              </a:buClr>
+              <a:buSzPts val="2400"/>
+            </a:pPr>
+            <a:r>
+              <a:rPr lang="en-US" b="1" i="0" u="none" strike="noStrike" cap="none" dirty="0">
+                <a:solidFill>
+                  <a:srgbClr val="434343"/>
+                </a:solidFill>
+                <a:latin typeface="Proxima Nova"/>
+                <a:ea typeface="Proxima Nova"/>
+                <a:cs typeface="Proxima Nova"/>
+                <a:sym typeface="Proxima Nova"/>
+              </a:rPr>
+              <a:t>Career Advisor </a:t>
+            </a:r>
+            <a:r>
+              <a:rPr lang="en-US" b="1" dirty="0">
+                <a:solidFill>
+                  <a:srgbClr val="434343"/>
+                </a:solidFill>
+                <a:latin typeface="Proxima Nova"/>
+                <a:ea typeface="Proxima Nova"/>
+                <a:cs typeface="Proxima Nova"/>
+                <a:sym typeface="Proxima Nova"/>
+              </a:rPr>
+              <a:t>s</a:t>
+            </a:r>
+            <a:r>
+              <a:rPr lang="en-US" b="1" i="0" u="none" strike="noStrike" cap="none" dirty="0">
+                <a:solidFill>
+                  <a:srgbClr val="434343"/>
+                </a:solidFill>
+                <a:latin typeface="Proxima Nova"/>
+                <a:ea typeface="Proxima Nova"/>
+                <a:cs typeface="Proxima Nova"/>
+                <a:sym typeface="Proxima Nova"/>
+              </a:rPr>
+              <a:t>upport and hiring partners (for those doing a </a:t>
+            </a:r>
+            <a:r>
+              <a:rPr lang="en-US" b="1" dirty="0">
+                <a:solidFill>
+                  <a:srgbClr val="434343"/>
+                </a:solidFill>
+                <a:latin typeface="Proxima Nova"/>
+                <a:ea typeface="Proxima Nova"/>
+                <a:cs typeface="Proxima Nova"/>
+                <a:sym typeface="Proxima Nova"/>
+              </a:rPr>
+              <a:t>B</a:t>
+            </a:r>
+            <a:r>
+              <a:rPr lang="en-US" b="1" i="0" u="none" strike="noStrike" cap="none" dirty="0">
+                <a:solidFill>
+                  <a:srgbClr val="434343"/>
+                </a:solidFill>
+                <a:latin typeface="Proxima Nova"/>
+                <a:ea typeface="Proxima Nova"/>
+                <a:cs typeface="Proxima Nova"/>
+                <a:sym typeface="Proxima Nova"/>
+              </a:rPr>
+              <a:t>ootcamp track)</a:t>
+            </a:r>
+          </a:p>
+          <a:p>
+            <a:pPr marL="76200" marR="0" lvl="0" indent="0" algn="l" rtl="0">
+              <a:lnSpc>
+                <a:spcPct val="115000"/>
+              </a:lnSpc>
+              <a:spcBef>
+                <a:spcPts val="0"/>
+              </a:spcBef>
+              <a:spcAft>
+                <a:spcPts val="0"/>
+              </a:spcAft>
+              <a:buClr>
+                <a:srgbClr val="434343"/>
+              </a:buClr>
+              <a:buSzPts val="2400"/>
+            </a:pPr>
+            <a:endParaRPr lang="en-US" b="1" dirty="0">
+              <a:solidFill>
+                <a:srgbClr val="434343"/>
+              </a:solidFill>
+              <a:latin typeface="Proxima Nova"/>
+              <a:ea typeface="Proxima Nova"/>
+              <a:cs typeface="Proxima Nova"/>
+              <a:sym typeface="Proxima Nova"/>
+            </a:endParaRPr>
+          </a:p>
+          <a:p>
+            <a:pPr marL="76200" marR="0" lvl="0" indent="0" algn="l" rtl="0">
+              <a:lnSpc>
+                <a:spcPct val="115000"/>
+              </a:lnSpc>
+              <a:spcBef>
+                <a:spcPts val="0"/>
+              </a:spcBef>
+              <a:spcAft>
+                <a:spcPts val="0"/>
+              </a:spcAft>
+              <a:buClr>
+                <a:srgbClr val="434343"/>
+              </a:buClr>
+              <a:buSzPts val="2400"/>
+            </a:pPr>
+            <a:r>
+              <a:rPr lang="en-US" b="1" dirty="0">
+                <a:solidFill>
+                  <a:srgbClr val="434343"/>
+                </a:solidFill>
+                <a:latin typeface="Proxima Nova"/>
+                <a:ea typeface="Proxima Nova"/>
+                <a:cs typeface="Proxima Nova"/>
+                <a:sym typeface="Proxima Nova"/>
+              </a:rPr>
+              <a:t>Metis alumni network</a:t>
+            </a:r>
+          </a:p>
+        </p:txBody>
+      </p:sp>
+      <p:pic>
+        <p:nvPicPr>
+          <p:cNvPr id="90" name="Google Shape;90;p16" descr="metis-mini.png"/>
+          <p:cNvPicPr preferRelativeResize="0"/>
+          <p:nvPr/>
+        </p:nvPicPr>
+        <p:blipFill rotWithShape="1">
+          <a:blip r:embed="rId3">
+            <a:alphaModFix amt="25000"/>
+          </a:blip>
+          <a:srcRect/>
+          <a:stretch/>
+        </p:blipFill>
+        <p:spPr>
+          <a:xfrm>
+            <a:off x="8512774" y="290199"/>
+            <a:ext cx="326424" cy="384999"/>
+          </a:xfrm>
+          <a:prstGeom prst="rect">
+            <a:avLst/>
+          </a:prstGeom>
+          <a:noFill/>
+          <a:ln>
+            <a:noFill/>
+          </a:ln>
+        </p:spPr>
+      </p:pic>
+    </p:spTree>
+    <p:extLst>
+      <p:ext uri="{BB962C8B-B14F-4D97-AF65-F5344CB8AC3E}">
+        <p14:creationId xmlns:p14="http://schemas.microsoft.com/office/powerpoint/2010/main" val="2340946521"/>
+      </p:ext>
+    </p:extLst>
+  </p:cSld>
+  <p:clrMapOvr>
+    <a:masterClrMapping/>
+  </p:clrMapOvr>
+</p:sld>
+</file>
+
+<file path=ppt/slides/slide21.xml><?xml version="1.0" encoding="utf-8"?>
 <p:sld xmlns:a="http://schemas.openxmlformats.org/drawingml/2006/main" xmlns:r="http://schemas.openxmlformats.org/officeDocument/2006/relationships" xmlns:p="http://schemas.openxmlformats.org/presentationml/2006/main">
   <p:cSld>
     <p:bg>
@@ -20041,88 +19754,6 @@
   <p:clrMapOvr>
     <a:masterClrMapping/>
   </p:clrMapOvr>
-  <p:timing>
-    <p:tnLst>
-      <p:par>
-        <p:cTn id="1" dur="indefinite" restart="never" nodeType="tmRoot">
-          <p:childTnLst>
-            <p:seq concurrent="1" nextAc="seek">
-              <p:cTn id="2" dur="indefinite" nodeType="mainSeq">
-                <p:childTnLst>
-                  <p:par>
-                    <p:cTn id="3" fill="hold">
-                      <p:stCondLst>
-                        <p:cond delay="indefinite"/>
-                      </p:stCondLst>
-                      <p:childTnLst>
-                        <p:par>
-                          <p:cTn id="4" fill="hold">
-                            <p:stCondLst>
-                              <p:cond delay="0"/>
-                            </p:stCondLst>
-                            <p:childTnLst>
-                              <p:par>
-                                <p:cTn id="5" presetID="1" presetClass="entr" presetSubtype="0" fill="hold" grpId="0" nodeType="clickEffect">
-                                  <p:stCondLst>
-                                    <p:cond delay="0"/>
-                                  </p:stCondLst>
-                                  <p:childTnLst>
-                                    <p:set>
-                                      <p:cBhvr>
-                                        <p:cTn id="6" dur="1" fill="hold">
-                                          <p:stCondLst>
-                                            <p:cond delay="0"/>
-                                          </p:stCondLst>
-                                        </p:cTn>
-                                        <p:tgtEl>
-                                          <p:spTgt spid="6">
-                                            <p:txEl>
-                                              <p:pRg st="0" end="0"/>
-                                            </p:txEl>
-                                          </p:spTgt>
-                                        </p:tgtEl>
-                                        <p:attrNameLst>
-                                          <p:attrName>style.visibility</p:attrName>
-                                        </p:attrNameLst>
-                                      </p:cBhvr>
-                                      <p:to>
-                                        <p:strVal val="visible"/>
-                                      </p:to>
-                                    </p:set>
-                                  </p:childTnLst>
-                                </p:cTn>
-                              </p:par>
-                            </p:childTnLst>
-                          </p:cTn>
-                        </p:par>
-                      </p:childTnLst>
-                    </p:cTn>
-                  </p:par>
-                </p:childTnLst>
-              </p:cTn>
-              <p:prevCondLst>
-                <p:cond evt="onPrev" delay="0">
-                  <p:tgtEl>
-                    <p:sldTgt/>
-                  </p:tgtEl>
-                </p:cond>
-              </p:prevCondLst>
-              <p:nextCondLst>
-                <p:cond evt="onNext" delay="0">
-                  <p:tgtEl>
-                    <p:sldTgt/>
-                  </p:tgtEl>
-                </p:cond>
-              </p:nextCondLst>
-            </p:seq>
-          </p:childTnLst>
-        </p:cTn>
-      </p:par>
-    </p:tnLst>
-    <p:bldLst>
-      <p:bldP spid="6" grpId="0" build="p"/>
-    </p:bldLst>
-  </p:timing>
 </p:sld>
 </file>
 
